--- a/08_2_마이크로마우스 프로그래밍 개요.pptx
+++ b/08_2_마이크로마우스 프로그래밍 개요.pptx
@@ -294,7 +294,7 @@
             <a:fld id="{E37AA025-A252-4C8F-A795-9A8E714CAB6A}" type="datetimeFigureOut">
               <a:rPr lang="ko-KR" altLang="en-US" smtClean="0"/>
               <a:pPr/>
-              <a:t>2018-05-22</a:t>
+              <a:t>2018-05-23</a:t>
             </a:fld>
             <a:endParaRPr lang="ko-KR" altLang="en-US"/>
           </a:p>
@@ -461,7 +461,7 @@
             <a:fld id="{E37AA025-A252-4C8F-A795-9A8E714CAB6A}" type="datetimeFigureOut">
               <a:rPr lang="ko-KR" altLang="en-US" smtClean="0"/>
               <a:pPr/>
-              <a:t>2018-05-22</a:t>
+              <a:t>2018-05-23</a:t>
             </a:fld>
             <a:endParaRPr lang="ko-KR" altLang="en-US"/>
           </a:p>
@@ -638,7 +638,7 @@
             <a:fld id="{E37AA025-A252-4C8F-A795-9A8E714CAB6A}" type="datetimeFigureOut">
               <a:rPr lang="ko-KR" altLang="en-US" smtClean="0"/>
               <a:pPr/>
-              <a:t>2018-05-22</a:t>
+              <a:t>2018-05-23</a:t>
             </a:fld>
             <a:endParaRPr lang="ko-KR" altLang="en-US"/>
           </a:p>
@@ -805,7 +805,7 @@
             <a:fld id="{E37AA025-A252-4C8F-A795-9A8E714CAB6A}" type="datetimeFigureOut">
               <a:rPr lang="ko-KR" altLang="en-US" smtClean="0"/>
               <a:pPr/>
-              <a:t>2018-05-22</a:t>
+              <a:t>2018-05-23</a:t>
             </a:fld>
             <a:endParaRPr lang="ko-KR" altLang="en-US"/>
           </a:p>
@@ -1048,7 +1048,7 @@
             <a:fld id="{E37AA025-A252-4C8F-A795-9A8E714CAB6A}" type="datetimeFigureOut">
               <a:rPr lang="ko-KR" altLang="en-US" smtClean="0"/>
               <a:pPr/>
-              <a:t>2018-05-22</a:t>
+              <a:t>2018-05-23</a:t>
             </a:fld>
             <a:endParaRPr lang="ko-KR" altLang="en-US"/>
           </a:p>
@@ -1333,7 +1333,7 @@
             <a:fld id="{E37AA025-A252-4C8F-A795-9A8E714CAB6A}" type="datetimeFigureOut">
               <a:rPr lang="ko-KR" altLang="en-US" smtClean="0"/>
               <a:pPr/>
-              <a:t>2018-05-22</a:t>
+              <a:t>2018-05-23</a:t>
             </a:fld>
             <a:endParaRPr lang="ko-KR" altLang="en-US"/>
           </a:p>
@@ -1752,7 +1752,7 @@
             <a:fld id="{E37AA025-A252-4C8F-A795-9A8E714CAB6A}" type="datetimeFigureOut">
               <a:rPr lang="ko-KR" altLang="en-US" smtClean="0"/>
               <a:pPr/>
-              <a:t>2018-05-22</a:t>
+              <a:t>2018-05-23</a:t>
             </a:fld>
             <a:endParaRPr lang="ko-KR" altLang="en-US"/>
           </a:p>
@@ -1867,7 +1867,7 @@
             <a:fld id="{E37AA025-A252-4C8F-A795-9A8E714CAB6A}" type="datetimeFigureOut">
               <a:rPr lang="ko-KR" altLang="en-US" smtClean="0"/>
               <a:pPr/>
-              <a:t>2018-05-22</a:t>
+              <a:t>2018-05-23</a:t>
             </a:fld>
             <a:endParaRPr lang="ko-KR" altLang="en-US"/>
           </a:p>
@@ -1959,7 +1959,7 @@
             <a:fld id="{E37AA025-A252-4C8F-A795-9A8E714CAB6A}" type="datetimeFigureOut">
               <a:rPr lang="ko-KR" altLang="en-US" smtClean="0"/>
               <a:pPr/>
-              <a:t>2018-05-22</a:t>
+              <a:t>2018-05-23</a:t>
             </a:fld>
             <a:endParaRPr lang="ko-KR" altLang="en-US"/>
           </a:p>
@@ -2233,7 +2233,7 @@
             <a:fld id="{E37AA025-A252-4C8F-A795-9A8E714CAB6A}" type="datetimeFigureOut">
               <a:rPr lang="ko-KR" altLang="en-US" smtClean="0"/>
               <a:pPr/>
-              <a:t>2018-05-22</a:t>
+              <a:t>2018-05-23</a:t>
             </a:fld>
             <a:endParaRPr lang="ko-KR" altLang="en-US"/>
           </a:p>
@@ -2483,7 +2483,7 @@
             <a:fld id="{E37AA025-A252-4C8F-A795-9A8E714CAB6A}" type="datetimeFigureOut">
               <a:rPr lang="ko-KR" altLang="en-US" smtClean="0"/>
               <a:pPr/>
-              <a:t>2018-05-22</a:t>
+              <a:t>2018-05-23</a:t>
             </a:fld>
             <a:endParaRPr lang="ko-KR" altLang="en-US"/>
           </a:p>
@@ -2693,7 +2693,7 @@
             <a:fld id="{E37AA025-A252-4C8F-A795-9A8E714CAB6A}" type="datetimeFigureOut">
               <a:rPr lang="ko-KR" altLang="en-US" smtClean="0"/>
               <a:pPr/>
-              <a:t>2018-05-22</a:t>
+              <a:t>2018-05-23</a:t>
             </a:fld>
             <a:endParaRPr lang="ko-KR" altLang="en-US"/>
           </a:p>
@@ -3913,44 +3913,4920 @@
           <a:chExt cx="0" cy="0"/>
         </a:xfrm>
       </p:grpSpPr>
+      <p:grpSp>
+        <p:nvGrpSpPr>
+          <p:cNvPr id="10" name="그룹 9"/>
+          <p:cNvGrpSpPr/>
+          <p:nvPr/>
+        </p:nvGrpSpPr>
+        <p:grpSpPr>
+          <a:xfrm>
+            <a:off x="1025182" y="1568023"/>
+            <a:ext cx="258404" cy="432048"/>
+            <a:chOff x="755576" y="548680"/>
+            <a:chExt cx="258404" cy="432048"/>
+          </a:xfrm>
+        </p:grpSpPr>
+        <p:cxnSp>
+          <p:nvCxnSpPr>
+            <p:cNvPr id="5" name="직선 화살표 연결선 4"/>
+            <p:cNvCxnSpPr/>
+            <p:nvPr/>
+          </p:nvCxnSpPr>
+          <p:spPr>
+            <a:xfrm>
+              <a:off x="899592" y="800708"/>
+              <a:ext cx="0" cy="180020"/>
+            </a:xfrm>
+            <a:prstGeom prst="straightConnector1">
+              <a:avLst/>
+            </a:prstGeom>
+            <a:ln w="25400">
+              <a:solidFill>
+                <a:schemeClr val="accent6">
+                  <a:lumMod val="75000"/>
+                </a:schemeClr>
+              </a:solidFill>
+              <a:tailEnd type="arrow"/>
+            </a:ln>
+          </p:spPr>
+          <p:style>
+            <a:lnRef idx="1">
+              <a:schemeClr val="accent1"/>
+            </a:lnRef>
+            <a:fillRef idx="0">
+              <a:schemeClr val="accent1"/>
+            </a:fillRef>
+            <a:effectRef idx="0">
+              <a:schemeClr val="accent1"/>
+            </a:effectRef>
+            <a:fontRef idx="minor">
+              <a:schemeClr val="tx1"/>
+            </a:fontRef>
+          </p:style>
+        </p:cxnSp>
+        <p:sp>
+          <p:nvSpPr>
+            <p:cNvPr id="8" name="TextBox 7"/>
+            <p:cNvSpPr txBox="1"/>
+            <p:nvPr/>
+          </p:nvSpPr>
+          <p:spPr>
+            <a:xfrm>
+              <a:off x="755576" y="548680"/>
+              <a:ext cx="258404" cy="276999"/>
+            </a:xfrm>
+            <a:prstGeom prst="rect">
+              <a:avLst/>
+            </a:prstGeom>
+            <a:noFill/>
+          </p:spPr>
+          <p:txBody>
+            <a:bodyPr wrap="none" rtlCol="0">
+              <a:spAutoFit/>
+            </a:bodyPr>
+            <a:lstStyle/>
+            <a:p>
+              <a:r>
+                <a:rPr lang="en-US" altLang="ko-KR" sz="1200" dirty="0" smtClean="0">
+                  <a:solidFill>
+                    <a:srgbClr val="FF0000"/>
+                  </a:solidFill>
+                </a:rPr>
+                <a:t>L</a:t>
+              </a:r>
+              <a:endParaRPr lang="ko-KR" altLang="en-US" sz="1200" dirty="0">
+                <a:solidFill>
+                  <a:srgbClr val="FF0000"/>
+                </a:solidFill>
+              </a:endParaRPr>
+            </a:p>
+          </p:txBody>
+        </p:sp>
+      </p:grpSp>
+      <p:grpSp>
+        <p:nvGrpSpPr>
+          <p:cNvPr id="11" name="그룹 10"/>
+          <p:cNvGrpSpPr/>
+          <p:nvPr/>
+        </p:nvGrpSpPr>
+        <p:grpSpPr>
+          <a:xfrm>
+            <a:off x="1544052" y="1568023"/>
+            <a:ext cx="279244" cy="432048"/>
+            <a:chOff x="1274446" y="548680"/>
+            <a:chExt cx="279244" cy="432048"/>
+          </a:xfrm>
+        </p:grpSpPr>
+        <p:cxnSp>
+          <p:nvCxnSpPr>
+            <p:cNvPr id="7" name="직선 화살표 연결선 6"/>
+            <p:cNvCxnSpPr/>
+            <p:nvPr/>
+          </p:nvCxnSpPr>
+          <p:spPr>
+            <a:xfrm>
+              <a:off x="1403648" y="800708"/>
+              <a:ext cx="0" cy="180020"/>
+            </a:xfrm>
+            <a:prstGeom prst="straightConnector1">
+              <a:avLst/>
+            </a:prstGeom>
+            <a:ln w="25400">
+              <a:solidFill>
+                <a:schemeClr val="accent5">
+                  <a:lumMod val="60000"/>
+                  <a:lumOff val="40000"/>
+                </a:schemeClr>
+              </a:solidFill>
+              <a:tailEnd type="arrow"/>
+            </a:ln>
+          </p:spPr>
+          <p:style>
+            <a:lnRef idx="1">
+              <a:schemeClr val="accent1"/>
+            </a:lnRef>
+            <a:fillRef idx="0">
+              <a:schemeClr val="accent1"/>
+            </a:fillRef>
+            <a:effectRef idx="0">
+              <a:schemeClr val="accent1"/>
+            </a:effectRef>
+            <a:fontRef idx="minor">
+              <a:schemeClr val="tx1"/>
+            </a:fontRef>
+          </p:style>
+        </p:cxnSp>
+        <p:sp>
+          <p:nvSpPr>
+            <p:cNvPr id="9" name="TextBox 8"/>
+            <p:cNvSpPr txBox="1"/>
+            <p:nvPr/>
+          </p:nvSpPr>
+          <p:spPr>
+            <a:xfrm>
+              <a:off x="1274446" y="548680"/>
+              <a:ext cx="279244" cy="276999"/>
+            </a:xfrm>
+            <a:prstGeom prst="rect">
+              <a:avLst/>
+            </a:prstGeom>
+            <a:noFill/>
+          </p:spPr>
+          <p:txBody>
+            <a:bodyPr wrap="none" rtlCol="0">
+              <a:spAutoFit/>
+            </a:bodyPr>
+            <a:lstStyle/>
+            <a:p>
+              <a:r>
+                <a:rPr lang="en-US" altLang="ko-KR" sz="1200" dirty="0" smtClean="0">
+                  <a:solidFill>
+                    <a:schemeClr val="accent5">
+                      <a:lumMod val="60000"/>
+                      <a:lumOff val="40000"/>
+                    </a:schemeClr>
+                  </a:solidFill>
+                </a:rPr>
+                <a:t>R</a:t>
+              </a:r>
+              <a:endParaRPr lang="ko-KR" altLang="en-US" sz="1200" dirty="0">
+                <a:solidFill>
+                  <a:schemeClr val="accent5">
+                    <a:lumMod val="60000"/>
+                    <a:lumOff val="40000"/>
+                  </a:schemeClr>
+                </a:solidFill>
+              </a:endParaRPr>
+            </a:p>
+          </p:txBody>
+        </p:sp>
+      </p:grpSp>
+      <p:grpSp>
+        <p:nvGrpSpPr>
+          <p:cNvPr id="12" name="그룹 11"/>
+          <p:cNvGrpSpPr/>
+          <p:nvPr/>
+        </p:nvGrpSpPr>
+        <p:grpSpPr>
+          <a:xfrm>
+            <a:off x="3035380" y="1568023"/>
+            <a:ext cx="258404" cy="432048"/>
+            <a:chOff x="755576" y="548680"/>
+            <a:chExt cx="258404" cy="432048"/>
+          </a:xfrm>
+        </p:grpSpPr>
+        <p:cxnSp>
+          <p:nvCxnSpPr>
+            <p:cNvPr id="13" name="직선 화살표 연결선 12"/>
+            <p:cNvCxnSpPr/>
+            <p:nvPr/>
+          </p:nvCxnSpPr>
+          <p:spPr>
+            <a:xfrm>
+              <a:off x="899592" y="800708"/>
+              <a:ext cx="0" cy="180020"/>
+            </a:xfrm>
+            <a:prstGeom prst="straightConnector1">
+              <a:avLst/>
+            </a:prstGeom>
+            <a:ln w="25400">
+              <a:solidFill>
+                <a:schemeClr val="accent6">
+                  <a:lumMod val="75000"/>
+                </a:schemeClr>
+              </a:solidFill>
+              <a:tailEnd type="arrow"/>
+            </a:ln>
+          </p:spPr>
+          <p:style>
+            <a:lnRef idx="1">
+              <a:schemeClr val="accent1"/>
+            </a:lnRef>
+            <a:fillRef idx="0">
+              <a:schemeClr val="accent1"/>
+            </a:fillRef>
+            <a:effectRef idx="0">
+              <a:schemeClr val="accent1"/>
+            </a:effectRef>
+            <a:fontRef idx="minor">
+              <a:schemeClr val="tx1"/>
+            </a:fontRef>
+          </p:style>
+        </p:cxnSp>
+        <p:sp>
+          <p:nvSpPr>
+            <p:cNvPr id="14" name="TextBox 13"/>
+            <p:cNvSpPr txBox="1"/>
+            <p:nvPr/>
+          </p:nvSpPr>
+          <p:spPr>
+            <a:xfrm>
+              <a:off x="755576" y="548680"/>
+              <a:ext cx="258404" cy="276999"/>
+            </a:xfrm>
+            <a:prstGeom prst="rect">
+              <a:avLst/>
+            </a:prstGeom>
+            <a:noFill/>
+          </p:spPr>
+          <p:txBody>
+            <a:bodyPr wrap="none" rtlCol="0">
+              <a:spAutoFit/>
+            </a:bodyPr>
+            <a:lstStyle/>
+            <a:p>
+              <a:r>
+                <a:rPr lang="en-US" altLang="ko-KR" sz="1200" dirty="0" smtClean="0">
+                  <a:solidFill>
+                    <a:srgbClr val="FF0000"/>
+                  </a:solidFill>
+                </a:rPr>
+                <a:t>L</a:t>
+              </a:r>
+              <a:endParaRPr lang="ko-KR" altLang="en-US" sz="1200" dirty="0">
+                <a:solidFill>
+                  <a:srgbClr val="FF0000"/>
+                </a:solidFill>
+              </a:endParaRPr>
+            </a:p>
+          </p:txBody>
+        </p:sp>
+      </p:grpSp>
+      <p:grpSp>
+        <p:nvGrpSpPr>
+          <p:cNvPr id="15" name="그룹 14"/>
+          <p:cNvGrpSpPr/>
+          <p:nvPr/>
+        </p:nvGrpSpPr>
+        <p:grpSpPr>
+          <a:xfrm>
+            <a:off x="3554250" y="1568023"/>
+            <a:ext cx="279244" cy="432048"/>
+            <a:chOff x="1274446" y="548680"/>
+            <a:chExt cx="279244" cy="432048"/>
+          </a:xfrm>
+        </p:grpSpPr>
+        <p:cxnSp>
+          <p:nvCxnSpPr>
+            <p:cNvPr id="16" name="직선 화살표 연결선 15"/>
+            <p:cNvCxnSpPr/>
+            <p:nvPr/>
+          </p:nvCxnSpPr>
+          <p:spPr>
+            <a:xfrm>
+              <a:off x="1403648" y="800708"/>
+              <a:ext cx="0" cy="180020"/>
+            </a:xfrm>
+            <a:prstGeom prst="straightConnector1">
+              <a:avLst/>
+            </a:prstGeom>
+            <a:ln w="25400">
+              <a:solidFill>
+                <a:schemeClr val="accent5">
+                  <a:lumMod val="60000"/>
+                  <a:lumOff val="40000"/>
+                </a:schemeClr>
+              </a:solidFill>
+              <a:tailEnd type="arrow"/>
+            </a:ln>
+          </p:spPr>
+          <p:style>
+            <a:lnRef idx="1">
+              <a:schemeClr val="accent1"/>
+            </a:lnRef>
+            <a:fillRef idx="0">
+              <a:schemeClr val="accent1"/>
+            </a:fillRef>
+            <a:effectRef idx="0">
+              <a:schemeClr val="accent1"/>
+            </a:effectRef>
+            <a:fontRef idx="minor">
+              <a:schemeClr val="tx1"/>
+            </a:fontRef>
+          </p:style>
+        </p:cxnSp>
+        <p:sp>
+          <p:nvSpPr>
+            <p:cNvPr id="17" name="TextBox 16"/>
+            <p:cNvSpPr txBox="1"/>
+            <p:nvPr/>
+          </p:nvSpPr>
+          <p:spPr>
+            <a:xfrm>
+              <a:off x="1274446" y="548680"/>
+              <a:ext cx="279244" cy="276999"/>
+            </a:xfrm>
+            <a:prstGeom prst="rect">
+              <a:avLst/>
+            </a:prstGeom>
+            <a:noFill/>
+          </p:spPr>
+          <p:txBody>
+            <a:bodyPr wrap="none" rtlCol="0">
+              <a:spAutoFit/>
+            </a:bodyPr>
+            <a:lstStyle/>
+            <a:p>
+              <a:r>
+                <a:rPr lang="en-US" altLang="ko-KR" sz="1200" dirty="0" smtClean="0">
+                  <a:solidFill>
+                    <a:schemeClr val="accent5">
+                      <a:lumMod val="60000"/>
+                      <a:lumOff val="40000"/>
+                    </a:schemeClr>
+                  </a:solidFill>
+                </a:rPr>
+                <a:t>R</a:t>
+              </a:r>
+              <a:endParaRPr lang="ko-KR" altLang="en-US" sz="1200" dirty="0">
+                <a:solidFill>
+                  <a:schemeClr val="accent5">
+                    <a:lumMod val="60000"/>
+                    <a:lumOff val="40000"/>
+                  </a:schemeClr>
+                </a:solidFill>
+              </a:endParaRPr>
+            </a:p>
+          </p:txBody>
+        </p:sp>
+      </p:grpSp>
+      <p:grpSp>
+        <p:nvGrpSpPr>
+          <p:cNvPr id="18" name="그룹 17"/>
+          <p:cNvGrpSpPr/>
+          <p:nvPr/>
+        </p:nvGrpSpPr>
+        <p:grpSpPr>
+          <a:xfrm>
+            <a:off x="5123612" y="1568023"/>
+            <a:ext cx="258404" cy="432048"/>
+            <a:chOff x="755576" y="548680"/>
+            <a:chExt cx="258404" cy="432048"/>
+          </a:xfrm>
+        </p:grpSpPr>
+        <p:cxnSp>
+          <p:nvCxnSpPr>
+            <p:cNvPr id="19" name="직선 화살표 연결선 18"/>
+            <p:cNvCxnSpPr/>
+            <p:nvPr/>
+          </p:nvCxnSpPr>
+          <p:spPr>
+            <a:xfrm>
+              <a:off x="899592" y="800708"/>
+              <a:ext cx="0" cy="180020"/>
+            </a:xfrm>
+            <a:prstGeom prst="straightConnector1">
+              <a:avLst/>
+            </a:prstGeom>
+            <a:ln w="25400">
+              <a:solidFill>
+                <a:schemeClr val="accent6">
+                  <a:lumMod val="75000"/>
+                </a:schemeClr>
+              </a:solidFill>
+              <a:tailEnd type="arrow"/>
+            </a:ln>
+          </p:spPr>
+          <p:style>
+            <a:lnRef idx="1">
+              <a:schemeClr val="accent1"/>
+            </a:lnRef>
+            <a:fillRef idx="0">
+              <a:schemeClr val="accent1"/>
+            </a:fillRef>
+            <a:effectRef idx="0">
+              <a:schemeClr val="accent1"/>
+            </a:effectRef>
+            <a:fontRef idx="minor">
+              <a:schemeClr val="tx1"/>
+            </a:fontRef>
+          </p:style>
+        </p:cxnSp>
+        <p:sp>
+          <p:nvSpPr>
+            <p:cNvPr id="20" name="TextBox 19"/>
+            <p:cNvSpPr txBox="1"/>
+            <p:nvPr/>
+          </p:nvSpPr>
+          <p:spPr>
+            <a:xfrm>
+              <a:off x="755576" y="548680"/>
+              <a:ext cx="258404" cy="276999"/>
+            </a:xfrm>
+            <a:prstGeom prst="rect">
+              <a:avLst/>
+            </a:prstGeom>
+            <a:noFill/>
+          </p:spPr>
+          <p:txBody>
+            <a:bodyPr wrap="none" rtlCol="0">
+              <a:spAutoFit/>
+            </a:bodyPr>
+            <a:lstStyle/>
+            <a:p>
+              <a:r>
+                <a:rPr lang="en-US" altLang="ko-KR" sz="1200" dirty="0" smtClean="0">
+                  <a:solidFill>
+                    <a:srgbClr val="FF0000"/>
+                  </a:solidFill>
+                </a:rPr>
+                <a:t>L</a:t>
+              </a:r>
+              <a:endParaRPr lang="ko-KR" altLang="en-US" sz="1200" dirty="0">
+                <a:solidFill>
+                  <a:srgbClr val="FF0000"/>
+                </a:solidFill>
+              </a:endParaRPr>
+            </a:p>
+          </p:txBody>
+        </p:sp>
+      </p:grpSp>
+      <p:grpSp>
+        <p:nvGrpSpPr>
+          <p:cNvPr id="21" name="그룹 20"/>
+          <p:cNvGrpSpPr/>
+          <p:nvPr/>
+        </p:nvGrpSpPr>
+        <p:grpSpPr>
+          <a:xfrm>
+            <a:off x="5642482" y="1568023"/>
+            <a:ext cx="279244" cy="432048"/>
+            <a:chOff x="1274446" y="548680"/>
+            <a:chExt cx="279244" cy="432048"/>
+          </a:xfrm>
+        </p:grpSpPr>
+        <p:cxnSp>
+          <p:nvCxnSpPr>
+            <p:cNvPr id="22" name="직선 화살표 연결선 21"/>
+            <p:cNvCxnSpPr/>
+            <p:nvPr/>
+          </p:nvCxnSpPr>
+          <p:spPr>
+            <a:xfrm>
+              <a:off x="1403648" y="800708"/>
+              <a:ext cx="0" cy="180020"/>
+            </a:xfrm>
+            <a:prstGeom prst="straightConnector1">
+              <a:avLst/>
+            </a:prstGeom>
+            <a:ln w="25400">
+              <a:solidFill>
+                <a:schemeClr val="accent5">
+                  <a:lumMod val="60000"/>
+                  <a:lumOff val="40000"/>
+                </a:schemeClr>
+              </a:solidFill>
+              <a:tailEnd type="arrow"/>
+            </a:ln>
+          </p:spPr>
+          <p:style>
+            <a:lnRef idx="1">
+              <a:schemeClr val="accent1"/>
+            </a:lnRef>
+            <a:fillRef idx="0">
+              <a:schemeClr val="accent1"/>
+            </a:fillRef>
+            <a:effectRef idx="0">
+              <a:schemeClr val="accent1"/>
+            </a:effectRef>
+            <a:fontRef idx="minor">
+              <a:schemeClr val="tx1"/>
+            </a:fontRef>
+          </p:style>
+        </p:cxnSp>
+        <p:sp>
+          <p:nvSpPr>
+            <p:cNvPr id="23" name="TextBox 22"/>
+            <p:cNvSpPr txBox="1"/>
+            <p:nvPr/>
+          </p:nvSpPr>
+          <p:spPr>
+            <a:xfrm>
+              <a:off x="1274446" y="548680"/>
+              <a:ext cx="279244" cy="276999"/>
+            </a:xfrm>
+            <a:prstGeom prst="rect">
+              <a:avLst/>
+            </a:prstGeom>
+            <a:noFill/>
+          </p:spPr>
+          <p:txBody>
+            <a:bodyPr wrap="none" rtlCol="0">
+              <a:spAutoFit/>
+            </a:bodyPr>
+            <a:lstStyle/>
+            <a:p>
+              <a:r>
+                <a:rPr lang="en-US" altLang="ko-KR" sz="1200" dirty="0" smtClean="0">
+                  <a:solidFill>
+                    <a:schemeClr val="accent5">
+                      <a:lumMod val="60000"/>
+                      <a:lumOff val="40000"/>
+                    </a:schemeClr>
+                  </a:solidFill>
+                </a:rPr>
+                <a:t>R</a:t>
+              </a:r>
+              <a:endParaRPr lang="ko-KR" altLang="en-US" sz="1200" dirty="0">
+                <a:solidFill>
+                  <a:schemeClr val="accent5">
+                    <a:lumMod val="60000"/>
+                    <a:lumOff val="40000"/>
+                  </a:schemeClr>
+                </a:solidFill>
+              </a:endParaRPr>
+            </a:p>
+          </p:txBody>
+        </p:sp>
+      </p:grpSp>
+      <p:grpSp>
+        <p:nvGrpSpPr>
+          <p:cNvPr id="24" name="그룹 23"/>
+          <p:cNvGrpSpPr/>
+          <p:nvPr/>
+        </p:nvGrpSpPr>
+        <p:grpSpPr>
+          <a:xfrm>
+            <a:off x="7355860" y="1568023"/>
+            <a:ext cx="258404" cy="432048"/>
+            <a:chOff x="755576" y="548680"/>
+            <a:chExt cx="258404" cy="432048"/>
+          </a:xfrm>
+        </p:grpSpPr>
+        <p:cxnSp>
+          <p:nvCxnSpPr>
+            <p:cNvPr id="25" name="직선 화살표 연결선 24"/>
+            <p:cNvCxnSpPr/>
+            <p:nvPr/>
+          </p:nvCxnSpPr>
+          <p:spPr>
+            <a:xfrm>
+              <a:off x="899592" y="800708"/>
+              <a:ext cx="0" cy="180020"/>
+            </a:xfrm>
+            <a:prstGeom prst="straightConnector1">
+              <a:avLst/>
+            </a:prstGeom>
+            <a:ln w="25400">
+              <a:solidFill>
+                <a:schemeClr val="accent6">
+                  <a:lumMod val="75000"/>
+                </a:schemeClr>
+              </a:solidFill>
+              <a:tailEnd type="arrow"/>
+            </a:ln>
+          </p:spPr>
+          <p:style>
+            <a:lnRef idx="1">
+              <a:schemeClr val="accent1"/>
+            </a:lnRef>
+            <a:fillRef idx="0">
+              <a:schemeClr val="accent1"/>
+            </a:fillRef>
+            <a:effectRef idx="0">
+              <a:schemeClr val="accent1"/>
+            </a:effectRef>
+            <a:fontRef idx="minor">
+              <a:schemeClr val="tx1"/>
+            </a:fontRef>
+          </p:style>
+        </p:cxnSp>
+        <p:sp>
+          <p:nvSpPr>
+            <p:cNvPr id="26" name="TextBox 25"/>
+            <p:cNvSpPr txBox="1"/>
+            <p:nvPr/>
+          </p:nvSpPr>
+          <p:spPr>
+            <a:xfrm>
+              <a:off x="755576" y="548680"/>
+              <a:ext cx="258404" cy="276999"/>
+            </a:xfrm>
+            <a:prstGeom prst="rect">
+              <a:avLst/>
+            </a:prstGeom>
+            <a:noFill/>
+          </p:spPr>
+          <p:txBody>
+            <a:bodyPr wrap="none" rtlCol="0">
+              <a:spAutoFit/>
+            </a:bodyPr>
+            <a:lstStyle/>
+            <a:p>
+              <a:r>
+                <a:rPr lang="en-US" altLang="ko-KR" sz="1200" dirty="0" smtClean="0">
+                  <a:solidFill>
+                    <a:srgbClr val="FF0000"/>
+                  </a:solidFill>
+                </a:rPr>
+                <a:t>L</a:t>
+              </a:r>
+              <a:endParaRPr lang="ko-KR" altLang="en-US" sz="1200" dirty="0">
+                <a:solidFill>
+                  <a:srgbClr val="FF0000"/>
+                </a:solidFill>
+              </a:endParaRPr>
+            </a:p>
+          </p:txBody>
+        </p:sp>
+      </p:grpSp>
+      <p:grpSp>
+        <p:nvGrpSpPr>
+          <p:cNvPr id="27" name="그룹 26"/>
+          <p:cNvGrpSpPr/>
+          <p:nvPr/>
+        </p:nvGrpSpPr>
+        <p:grpSpPr>
+          <a:xfrm>
+            <a:off x="7874730" y="1568023"/>
+            <a:ext cx="279244" cy="432048"/>
+            <a:chOff x="1274446" y="548680"/>
+            <a:chExt cx="279244" cy="432048"/>
+          </a:xfrm>
+        </p:grpSpPr>
+        <p:cxnSp>
+          <p:nvCxnSpPr>
+            <p:cNvPr id="28" name="직선 화살표 연결선 27"/>
+            <p:cNvCxnSpPr/>
+            <p:nvPr/>
+          </p:nvCxnSpPr>
+          <p:spPr>
+            <a:xfrm>
+              <a:off x="1403648" y="800708"/>
+              <a:ext cx="0" cy="180020"/>
+            </a:xfrm>
+            <a:prstGeom prst="straightConnector1">
+              <a:avLst/>
+            </a:prstGeom>
+            <a:ln w="25400">
+              <a:solidFill>
+                <a:schemeClr val="accent5">
+                  <a:lumMod val="60000"/>
+                  <a:lumOff val="40000"/>
+                </a:schemeClr>
+              </a:solidFill>
+              <a:tailEnd type="arrow"/>
+            </a:ln>
+          </p:spPr>
+          <p:style>
+            <a:lnRef idx="1">
+              <a:schemeClr val="accent1"/>
+            </a:lnRef>
+            <a:fillRef idx="0">
+              <a:schemeClr val="accent1"/>
+            </a:fillRef>
+            <a:effectRef idx="0">
+              <a:schemeClr val="accent1"/>
+            </a:effectRef>
+            <a:fontRef idx="minor">
+              <a:schemeClr val="tx1"/>
+            </a:fontRef>
+          </p:style>
+        </p:cxnSp>
+        <p:sp>
+          <p:nvSpPr>
+            <p:cNvPr id="29" name="TextBox 28"/>
+            <p:cNvSpPr txBox="1"/>
+            <p:nvPr/>
+          </p:nvSpPr>
+          <p:spPr>
+            <a:xfrm>
+              <a:off x="1274446" y="548680"/>
+              <a:ext cx="279244" cy="276999"/>
+            </a:xfrm>
+            <a:prstGeom prst="rect">
+              <a:avLst/>
+            </a:prstGeom>
+            <a:noFill/>
+          </p:spPr>
+          <p:txBody>
+            <a:bodyPr wrap="none" rtlCol="0">
+              <a:spAutoFit/>
+            </a:bodyPr>
+            <a:lstStyle/>
+            <a:p>
+              <a:r>
+                <a:rPr lang="en-US" altLang="ko-KR" sz="1200" dirty="0" smtClean="0">
+                  <a:solidFill>
+                    <a:schemeClr val="accent5">
+                      <a:lumMod val="60000"/>
+                      <a:lumOff val="40000"/>
+                    </a:schemeClr>
+                  </a:solidFill>
+                </a:rPr>
+                <a:t>R</a:t>
+              </a:r>
+              <a:endParaRPr lang="ko-KR" altLang="en-US" sz="1200" dirty="0">
+                <a:solidFill>
+                  <a:schemeClr val="accent5">
+                    <a:lumMod val="60000"/>
+                    <a:lumOff val="40000"/>
+                  </a:schemeClr>
+                </a:solidFill>
+              </a:endParaRPr>
+            </a:p>
+          </p:txBody>
+        </p:sp>
+      </p:grpSp>
+      <p:cxnSp>
+        <p:nvCxnSpPr>
+          <p:cNvPr id="173" name="직선 화살표 연결선 172"/>
+          <p:cNvCxnSpPr/>
+          <p:nvPr/>
+        </p:nvCxnSpPr>
+        <p:spPr>
+          <a:xfrm>
+            <a:off x="1025182" y="1279991"/>
+            <a:ext cx="0" cy="144016"/>
+          </a:xfrm>
+          <a:prstGeom prst="straightConnector1">
+            <a:avLst/>
+          </a:prstGeom>
+          <a:ln>
+            <a:headEnd w="sm" len="sm"/>
+            <a:tailEnd type="arrow" w="sm" len="sm"/>
+          </a:ln>
+        </p:spPr>
+        <p:style>
+          <a:lnRef idx="1">
+            <a:schemeClr val="accent1"/>
+          </a:lnRef>
+          <a:fillRef idx="0">
+            <a:schemeClr val="accent1"/>
+          </a:fillRef>
+          <a:effectRef idx="0">
+            <a:schemeClr val="accent1"/>
+          </a:effectRef>
+          <a:fontRef idx="minor">
+            <a:schemeClr val="tx1"/>
+          </a:fontRef>
+        </p:style>
+      </p:cxnSp>
+      <p:cxnSp>
+        <p:nvCxnSpPr>
+          <p:cNvPr id="174" name="직선 화살표 연결선 173"/>
+          <p:cNvCxnSpPr/>
+          <p:nvPr/>
+        </p:nvCxnSpPr>
+        <p:spPr>
+          <a:xfrm>
+            <a:off x="1113232" y="1279991"/>
+            <a:ext cx="0" cy="144016"/>
+          </a:xfrm>
+          <a:prstGeom prst="straightConnector1">
+            <a:avLst/>
+          </a:prstGeom>
+          <a:ln>
+            <a:headEnd w="sm" len="sm"/>
+            <a:tailEnd type="arrow" w="sm" len="sm"/>
+          </a:ln>
+        </p:spPr>
+        <p:style>
+          <a:lnRef idx="1">
+            <a:schemeClr val="accent1"/>
+          </a:lnRef>
+          <a:fillRef idx="0">
+            <a:schemeClr val="accent1"/>
+          </a:fillRef>
+          <a:effectRef idx="0">
+            <a:schemeClr val="accent1"/>
+          </a:effectRef>
+          <a:fontRef idx="minor">
+            <a:schemeClr val="tx1"/>
+          </a:fontRef>
+        </p:style>
+      </p:cxnSp>
+      <p:cxnSp>
+        <p:nvCxnSpPr>
+          <p:cNvPr id="175" name="직선 화살표 연결선 174"/>
+          <p:cNvCxnSpPr/>
+          <p:nvPr/>
+        </p:nvCxnSpPr>
+        <p:spPr>
+          <a:xfrm>
+            <a:off x="1201282" y="1279991"/>
+            <a:ext cx="0" cy="144016"/>
+          </a:xfrm>
+          <a:prstGeom prst="straightConnector1">
+            <a:avLst/>
+          </a:prstGeom>
+          <a:ln>
+            <a:headEnd w="sm" len="sm"/>
+            <a:tailEnd type="arrow" w="sm" len="sm"/>
+          </a:ln>
+        </p:spPr>
+        <p:style>
+          <a:lnRef idx="1">
+            <a:schemeClr val="accent1"/>
+          </a:lnRef>
+          <a:fillRef idx="0">
+            <a:schemeClr val="accent1"/>
+          </a:fillRef>
+          <a:effectRef idx="0">
+            <a:schemeClr val="accent1"/>
+          </a:effectRef>
+          <a:fontRef idx="minor">
+            <a:schemeClr val="tx1"/>
+          </a:fontRef>
+        </p:style>
+      </p:cxnSp>
+      <p:cxnSp>
+        <p:nvCxnSpPr>
+          <p:cNvPr id="176" name="직선 화살표 연결선 175"/>
+          <p:cNvCxnSpPr/>
+          <p:nvPr/>
+        </p:nvCxnSpPr>
+        <p:spPr>
+          <a:xfrm>
+            <a:off x="1289332" y="1279991"/>
+            <a:ext cx="0" cy="144016"/>
+          </a:xfrm>
+          <a:prstGeom prst="straightConnector1">
+            <a:avLst/>
+          </a:prstGeom>
+          <a:ln>
+            <a:headEnd w="sm" len="sm"/>
+            <a:tailEnd type="arrow" w="sm" len="sm"/>
+          </a:ln>
+        </p:spPr>
+        <p:style>
+          <a:lnRef idx="1">
+            <a:schemeClr val="accent1"/>
+          </a:lnRef>
+          <a:fillRef idx="0">
+            <a:schemeClr val="accent1"/>
+          </a:fillRef>
+          <a:effectRef idx="0">
+            <a:schemeClr val="accent1"/>
+          </a:effectRef>
+          <a:fontRef idx="minor">
+            <a:schemeClr val="tx1"/>
+          </a:fontRef>
+        </p:style>
+      </p:cxnSp>
+      <p:cxnSp>
+        <p:nvCxnSpPr>
+          <p:cNvPr id="177" name="직선 화살표 연결선 176"/>
+          <p:cNvCxnSpPr/>
+          <p:nvPr/>
+        </p:nvCxnSpPr>
+        <p:spPr>
+          <a:xfrm>
+            <a:off x="1377382" y="1279991"/>
+            <a:ext cx="0" cy="144016"/>
+          </a:xfrm>
+          <a:prstGeom prst="straightConnector1">
+            <a:avLst/>
+          </a:prstGeom>
+          <a:ln>
+            <a:headEnd w="sm" len="sm"/>
+            <a:tailEnd type="arrow" w="sm" len="sm"/>
+          </a:ln>
+        </p:spPr>
+        <p:style>
+          <a:lnRef idx="1">
+            <a:schemeClr val="accent1"/>
+          </a:lnRef>
+          <a:fillRef idx="0">
+            <a:schemeClr val="accent1"/>
+          </a:fillRef>
+          <a:effectRef idx="0">
+            <a:schemeClr val="accent1"/>
+          </a:effectRef>
+          <a:fontRef idx="minor">
+            <a:schemeClr val="tx1"/>
+          </a:fontRef>
+        </p:style>
+      </p:cxnSp>
+      <p:cxnSp>
+        <p:nvCxnSpPr>
+          <p:cNvPr id="178" name="직선 화살표 연결선 177"/>
+          <p:cNvCxnSpPr/>
+          <p:nvPr/>
+        </p:nvCxnSpPr>
+        <p:spPr>
+          <a:xfrm>
+            <a:off x="1465432" y="1279991"/>
+            <a:ext cx="0" cy="144016"/>
+          </a:xfrm>
+          <a:prstGeom prst="straightConnector1">
+            <a:avLst/>
+          </a:prstGeom>
+          <a:ln>
+            <a:headEnd w="sm" len="sm"/>
+            <a:tailEnd type="arrow" w="sm" len="sm"/>
+          </a:ln>
+        </p:spPr>
+        <p:style>
+          <a:lnRef idx="1">
+            <a:schemeClr val="accent1"/>
+          </a:lnRef>
+          <a:fillRef idx="0">
+            <a:schemeClr val="accent1"/>
+          </a:fillRef>
+          <a:effectRef idx="0">
+            <a:schemeClr val="accent1"/>
+          </a:effectRef>
+          <a:fontRef idx="minor">
+            <a:schemeClr val="tx1"/>
+          </a:fontRef>
+        </p:style>
+      </p:cxnSp>
+      <p:cxnSp>
+        <p:nvCxnSpPr>
+          <p:cNvPr id="179" name="직선 화살표 연결선 178"/>
+          <p:cNvCxnSpPr/>
+          <p:nvPr/>
+        </p:nvCxnSpPr>
+        <p:spPr>
+          <a:xfrm>
+            <a:off x="1553482" y="1279991"/>
+            <a:ext cx="0" cy="144016"/>
+          </a:xfrm>
+          <a:prstGeom prst="straightConnector1">
+            <a:avLst/>
+          </a:prstGeom>
+          <a:ln>
+            <a:headEnd w="sm" len="sm"/>
+            <a:tailEnd type="arrow" w="sm" len="sm"/>
+          </a:ln>
+        </p:spPr>
+        <p:style>
+          <a:lnRef idx="1">
+            <a:schemeClr val="accent1"/>
+          </a:lnRef>
+          <a:fillRef idx="0">
+            <a:schemeClr val="accent1"/>
+          </a:fillRef>
+          <a:effectRef idx="0">
+            <a:schemeClr val="accent1"/>
+          </a:effectRef>
+          <a:fontRef idx="minor">
+            <a:schemeClr val="tx1"/>
+          </a:fontRef>
+        </p:style>
+      </p:cxnSp>
+      <p:cxnSp>
+        <p:nvCxnSpPr>
+          <p:cNvPr id="180" name="직선 화살표 연결선 179"/>
+          <p:cNvCxnSpPr/>
+          <p:nvPr/>
+        </p:nvCxnSpPr>
+        <p:spPr>
+          <a:xfrm>
+            <a:off x="1641532" y="1279991"/>
+            <a:ext cx="0" cy="144016"/>
+          </a:xfrm>
+          <a:prstGeom prst="straightConnector1">
+            <a:avLst/>
+          </a:prstGeom>
+          <a:ln>
+            <a:headEnd w="sm" len="sm"/>
+            <a:tailEnd type="arrow" w="sm" len="sm"/>
+          </a:ln>
+        </p:spPr>
+        <p:style>
+          <a:lnRef idx="1">
+            <a:schemeClr val="accent1"/>
+          </a:lnRef>
+          <a:fillRef idx="0">
+            <a:schemeClr val="accent1"/>
+          </a:fillRef>
+          <a:effectRef idx="0">
+            <a:schemeClr val="accent1"/>
+          </a:effectRef>
+          <a:fontRef idx="minor">
+            <a:schemeClr val="tx1"/>
+          </a:fontRef>
+        </p:style>
+      </p:cxnSp>
+      <p:cxnSp>
+        <p:nvCxnSpPr>
+          <p:cNvPr id="181" name="직선 화살표 연결선 180"/>
+          <p:cNvCxnSpPr/>
+          <p:nvPr/>
+        </p:nvCxnSpPr>
+        <p:spPr>
+          <a:xfrm>
+            <a:off x="1729582" y="1279991"/>
+            <a:ext cx="0" cy="144016"/>
+          </a:xfrm>
+          <a:prstGeom prst="straightConnector1">
+            <a:avLst/>
+          </a:prstGeom>
+          <a:ln>
+            <a:headEnd w="sm" len="sm"/>
+            <a:tailEnd type="arrow" w="sm" len="sm"/>
+          </a:ln>
+        </p:spPr>
+        <p:style>
+          <a:lnRef idx="1">
+            <a:schemeClr val="accent1"/>
+          </a:lnRef>
+          <a:fillRef idx="0">
+            <a:schemeClr val="accent1"/>
+          </a:fillRef>
+          <a:effectRef idx="0">
+            <a:schemeClr val="accent1"/>
+          </a:effectRef>
+          <a:fontRef idx="minor">
+            <a:schemeClr val="tx1"/>
+          </a:fontRef>
+        </p:style>
+      </p:cxnSp>
+      <p:cxnSp>
+        <p:nvCxnSpPr>
+          <p:cNvPr id="182" name="직선 화살표 연결선 181"/>
+          <p:cNvCxnSpPr/>
+          <p:nvPr/>
+        </p:nvCxnSpPr>
+        <p:spPr>
+          <a:xfrm>
+            <a:off x="1817632" y="1279991"/>
+            <a:ext cx="0" cy="144016"/>
+          </a:xfrm>
+          <a:prstGeom prst="straightConnector1">
+            <a:avLst/>
+          </a:prstGeom>
+          <a:ln>
+            <a:headEnd w="sm" len="sm"/>
+            <a:tailEnd type="arrow" w="sm" len="sm"/>
+          </a:ln>
+        </p:spPr>
+        <p:style>
+          <a:lnRef idx="1">
+            <a:schemeClr val="accent1"/>
+          </a:lnRef>
+          <a:fillRef idx="0">
+            <a:schemeClr val="accent1"/>
+          </a:fillRef>
+          <a:effectRef idx="0">
+            <a:schemeClr val="accent1"/>
+          </a:effectRef>
+          <a:fontRef idx="minor">
+            <a:schemeClr val="tx1"/>
+          </a:fontRef>
+        </p:style>
+      </p:cxnSp>
+      <p:cxnSp>
+        <p:nvCxnSpPr>
+          <p:cNvPr id="183" name="직선 화살표 연결선 182"/>
+          <p:cNvCxnSpPr/>
+          <p:nvPr/>
+        </p:nvCxnSpPr>
+        <p:spPr>
+          <a:xfrm>
+            <a:off x="1905682" y="1279991"/>
+            <a:ext cx="0" cy="144016"/>
+          </a:xfrm>
+          <a:prstGeom prst="straightConnector1">
+            <a:avLst/>
+          </a:prstGeom>
+          <a:ln>
+            <a:headEnd w="sm" len="sm"/>
+            <a:tailEnd type="arrow" w="sm" len="sm"/>
+          </a:ln>
+        </p:spPr>
+        <p:style>
+          <a:lnRef idx="1">
+            <a:schemeClr val="accent1"/>
+          </a:lnRef>
+          <a:fillRef idx="0">
+            <a:schemeClr val="accent1"/>
+          </a:fillRef>
+          <a:effectRef idx="0">
+            <a:schemeClr val="accent1"/>
+          </a:effectRef>
+          <a:fontRef idx="minor">
+            <a:schemeClr val="tx1"/>
+          </a:fontRef>
+        </p:style>
+      </p:cxnSp>
+      <p:cxnSp>
+        <p:nvCxnSpPr>
+          <p:cNvPr id="184" name="직선 화살표 연결선 183"/>
+          <p:cNvCxnSpPr/>
+          <p:nvPr/>
+        </p:nvCxnSpPr>
+        <p:spPr>
+          <a:xfrm>
+            <a:off x="1993732" y="1279991"/>
+            <a:ext cx="0" cy="144016"/>
+          </a:xfrm>
+          <a:prstGeom prst="straightConnector1">
+            <a:avLst/>
+          </a:prstGeom>
+          <a:ln>
+            <a:headEnd w="sm" len="sm"/>
+            <a:tailEnd type="arrow" w="sm" len="sm"/>
+          </a:ln>
+        </p:spPr>
+        <p:style>
+          <a:lnRef idx="1">
+            <a:schemeClr val="accent1"/>
+          </a:lnRef>
+          <a:fillRef idx="0">
+            <a:schemeClr val="accent1"/>
+          </a:fillRef>
+          <a:effectRef idx="0">
+            <a:schemeClr val="accent1"/>
+          </a:effectRef>
+          <a:fontRef idx="minor">
+            <a:schemeClr val="tx1"/>
+          </a:fontRef>
+        </p:style>
+      </p:cxnSp>
+      <p:cxnSp>
+        <p:nvCxnSpPr>
+          <p:cNvPr id="185" name="직선 화살표 연결선 184"/>
+          <p:cNvCxnSpPr/>
+          <p:nvPr/>
+        </p:nvCxnSpPr>
+        <p:spPr>
+          <a:xfrm>
+            <a:off x="2081782" y="1279991"/>
+            <a:ext cx="0" cy="144016"/>
+          </a:xfrm>
+          <a:prstGeom prst="straightConnector1">
+            <a:avLst/>
+          </a:prstGeom>
+          <a:ln>
+            <a:headEnd w="sm" len="sm"/>
+            <a:tailEnd type="arrow" w="sm" len="sm"/>
+          </a:ln>
+        </p:spPr>
+        <p:style>
+          <a:lnRef idx="1">
+            <a:schemeClr val="accent1"/>
+          </a:lnRef>
+          <a:fillRef idx="0">
+            <a:schemeClr val="accent1"/>
+          </a:fillRef>
+          <a:effectRef idx="0">
+            <a:schemeClr val="accent1"/>
+          </a:effectRef>
+          <a:fontRef idx="minor">
+            <a:schemeClr val="tx1"/>
+          </a:fontRef>
+        </p:style>
+      </p:cxnSp>
+      <p:cxnSp>
+        <p:nvCxnSpPr>
+          <p:cNvPr id="186" name="직선 화살표 연결선 185"/>
+          <p:cNvCxnSpPr/>
+          <p:nvPr/>
+        </p:nvCxnSpPr>
+        <p:spPr>
+          <a:xfrm>
+            <a:off x="2169832" y="1279991"/>
+            <a:ext cx="0" cy="144016"/>
+          </a:xfrm>
+          <a:prstGeom prst="straightConnector1">
+            <a:avLst/>
+          </a:prstGeom>
+          <a:ln>
+            <a:headEnd w="sm" len="sm"/>
+            <a:tailEnd type="arrow" w="sm" len="sm"/>
+          </a:ln>
+        </p:spPr>
+        <p:style>
+          <a:lnRef idx="1">
+            <a:schemeClr val="accent1"/>
+          </a:lnRef>
+          <a:fillRef idx="0">
+            <a:schemeClr val="accent1"/>
+          </a:fillRef>
+          <a:effectRef idx="0">
+            <a:schemeClr val="accent1"/>
+          </a:effectRef>
+          <a:fontRef idx="minor">
+            <a:schemeClr val="tx1"/>
+          </a:fontRef>
+        </p:style>
+      </p:cxnSp>
+      <p:cxnSp>
+        <p:nvCxnSpPr>
+          <p:cNvPr id="187" name="직선 화살표 연결선 186"/>
+          <p:cNvCxnSpPr/>
+          <p:nvPr/>
+        </p:nvCxnSpPr>
+        <p:spPr>
+          <a:xfrm>
+            <a:off x="2257882" y="1279991"/>
+            <a:ext cx="0" cy="144016"/>
+          </a:xfrm>
+          <a:prstGeom prst="straightConnector1">
+            <a:avLst/>
+          </a:prstGeom>
+          <a:ln>
+            <a:headEnd w="sm" len="sm"/>
+            <a:tailEnd type="arrow" w="sm" len="sm"/>
+          </a:ln>
+        </p:spPr>
+        <p:style>
+          <a:lnRef idx="1">
+            <a:schemeClr val="accent1"/>
+          </a:lnRef>
+          <a:fillRef idx="0">
+            <a:schemeClr val="accent1"/>
+          </a:fillRef>
+          <a:effectRef idx="0">
+            <a:schemeClr val="accent1"/>
+          </a:effectRef>
+          <a:fontRef idx="minor">
+            <a:schemeClr val="tx1"/>
+          </a:fontRef>
+        </p:style>
+      </p:cxnSp>
+      <p:cxnSp>
+        <p:nvCxnSpPr>
+          <p:cNvPr id="188" name="직선 화살표 연결선 187"/>
+          <p:cNvCxnSpPr/>
+          <p:nvPr/>
+        </p:nvCxnSpPr>
+        <p:spPr>
+          <a:xfrm>
+            <a:off x="2345932" y="1279991"/>
+            <a:ext cx="0" cy="144016"/>
+          </a:xfrm>
+          <a:prstGeom prst="straightConnector1">
+            <a:avLst/>
+          </a:prstGeom>
+          <a:ln>
+            <a:headEnd w="sm" len="sm"/>
+            <a:tailEnd type="arrow" w="sm" len="sm"/>
+          </a:ln>
+        </p:spPr>
+        <p:style>
+          <a:lnRef idx="1">
+            <a:schemeClr val="accent1"/>
+          </a:lnRef>
+          <a:fillRef idx="0">
+            <a:schemeClr val="accent1"/>
+          </a:fillRef>
+          <a:effectRef idx="0">
+            <a:schemeClr val="accent1"/>
+          </a:effectRef>
+          <a:fontRef idx="minor">
+            <a:schemeClr val="tx1"/>
+          </a:fontRef>
+        </p:style>
+      </p:cxnSp>
+      <p:cxnSp>
+        <p:nvCxnSpPr>
+          <p:cNvPr id="189" name="직선 화살표 연결선 188"/>
+          <p:cNvCxnSpPr/>
+          <p:nvPr/>
+        </p:nvCxnSpPr>
+        <p:spPr>
+          <a:xfrm>
+            <a:off x="2433982" y="1279991"/>
+            <a:ext cx="0" cy="144016"/>
+          </a:xfrm>
+          <a:prstGeom prst="straightConnector1">
+            <a:avLst/>
+          </a:prstGeom>
+          <a:ln>
+            <a:headEnd w="sm" len="sm"/>
+            <a:tailEnd type="arrow" w="sm" len="sm"/>
+          </a:ln>
+        </p:spPr>
+        <p:style>
+          <a:lnRef idx="1">
+            <a:schemeClr val="accent1"/>
+          </a:lnRef>
+          <a:fillRef idx="0">
+            <a:schemeClr val="accent1"/>
+          </a:fillRef>
+          <a:effectRef idx="0">
+            <a:schemeClr val="accent1"/>
+          </a:effectRef>
+          <a:fontRef idx="minor">
+            <a:schemeClr val="tx1"/>
+          </a:fontRef>
+        </p:style>
+      </p:cxnSp>
+      <p:cxnSp>
+        <p:nvCxnSpPr>
+          <p:cNvPr id="190" name="직선 화살표 연결선 189"/>
+          <p:cNvCxnSpPr/>
+          <p:nvPr/>
+        </p:nvCxnSpPr>
+        <p:spPr>
+          <a:xfrm>
+            <a:off x="2522032" y="1279991"/>
+            <a:ext cx="0" cy="144016"/>
+          </a:xfrm>
+          <a:prstGeom prst="straightConnector1">
+            <a:avLst/>
+          </a:prstGeom>
+          <a:ln>
+            <a:headEnd w="sm" len="sm"/>
+            <a:tailEnd type="arrow" w="sm" len="sm"/>
+          </a:ln>
+        </p:spPr>
+        <p:style>
+          <a:lnRef idx="1">
+            <a:schemeClr val="accent1"/>
+          </a:lnRef>
+          <a:fillRef idx="0">
+            <a:schemeClr val="accent1"/>
+          </a:fillRef>
+          <a:effectRef idx="0">
+            <a:schemeClr val="accent1"/>
+          </a:effectRef>
+          <a:fontRef idx="minor">
+            <a:schemeClr val="tx1"/>
+          </a:fontRef>
+        </p:style>
+      </p:cxnSp>
+      <p:cxnSp>
+        <p:nvCxnSpPr>
+          <p:cNvPr id="191" name="직선 화살표 연결선 190"/>
+          <p:cNvCxnSpPr/>
+          <p:nvPr/>
+        </p:nvCxnSpPr>
+        <p:spPr>
+          <a:xfrm>
+            <a:off x="2610082" y="1279991"/>
+            <a:ext cx="0" cy="144016"/>
+          </a:xfrm>
+          <a:prstGeom prst="straightConnector1">
+            <a:avLst/>
+          </a:prstGeom>
+          <a:ln>
+            <a:headEnd w="sm" len="sm"/>
+            <a:tailEnd type="arrow" w="sm" len="sm"/>
+          </a:ln>
+        </p:spPr>
+        <p:style>
+          <a:lnRef idx="1">
+            <a:schemeClr val="accent1"/>
+          </a:lnRef>
+          <a:fillRef idx="0">
+            <a:schemeClr val="accent1"/>
+          </a:fillRef>
+          <a:effectRef idx="0">
+            <a:schemeClr val="accent1"/>
+          </a:effectRef>
+          <a:fontRef idx="minor">
+            <a:schemeClr val="tx1"/>
+          </a:fontRef>
+        </p:style>
+      </p:cxnSp>
+      <p:cxnSp>
+        <p:nvCxnSpPr>
+          <p:cNvPr id="192" name="직선 화살표 연결선 191"/>
+          <p:cNvCxnSpPr/>
+          <p:nvPr/>
+        </p:nvCxnSpPr>
+        <p:spPr>
+          <a:xfrm>
+            <a:off x="2698132" y="1279991"/>
+            <a:ext cx="0" cy="144016"/>
+          </a:xfrm>
+          <a:prstGeom prst="straightConnector1">
+            <a:avLst/>
+          </a:prstGeom>
+          <a:ln>
+            <a:headEnd w="sm" len="sm"/>
+            <a:tailEnd type="arrow" w="sm" len="sm"/>
+          </a:ln>
+        </p:spPr>
+        <p:style>
+          <a:lnRef idx="1">
+            <a:schemeClr val="accent1"/>
+          </a:lnRef>
+          <a:fillRef idx="0">
+            <a:schemeClr val="accent1"/>
+          </a:fillRef>
+          <a:effectRef idx="0">
+            <a:schemeClr val="accent1"/>
+          </a:effectRef>
+          <a:fontRef idx="minor">
+            <a:schemeClr val="tx1"/>
+          </a:fontRef>
+        </p:style>
+      </p:cxnSp>
+      <p:cxnSp>
+        <p:nvCxnSpPr>
+          <p:cNvPr id="193" name="직선 화살표 연결선 192"/>
+          <p:cNvCxnSpPr/>
+          <p:nvPr/>
+        </p:nvCxnSpPr>
+        <p:spPr>
+          <a:xfrm>
+            <a:off x="2786182" y="1279991"/>
+            <a:ext cx="0" cy="144016"/>
+          </a:xfrm>
+          <a:prstGeom prst="straightConnector1">
+            <a:avLst/>
+          </a:prstGeom>
+          <a:ln>
+            <a:headEnd w="sm" len="sm"/>
+            <a:tailEnd type="arrow" w="sm" len="sm"/>
+          </a:ln>
+        </p:spPr>
+        <p:style>
+          <a:lnRef idx="1">
+            <a:schemeClr val="accent1"/>
+          </a:lnRef>
+          <a:fillRef idx="0">
+            <a:schemeClr val="accent1"/>
+          </a:fillRef>
+          <a:effectRef idx="0">
+            <a:schemeClr val="accent1"/>
+          </a:effectRef>
+          <a:fontRef idx="minor">
+            <a:schemeClr val="tx1"/>
+          </a:fontRef>
+        </p:style>
+      </p:cxnSp>
+      <p:cxnSp>
+        <p:nvCxnSpPr>
+          <p:cNvPr id="194" name="직선 화살표 연결선 193"/>
+          <p:cNvCxnSpPr/>
+          <p:nvPr/>
+        </p:nvCxnSpPr>
+        <p:spPr>
+          <a:xfrm>
+            <a:off x="2874232" y="1279991"/>
+            <a:ext cx="0" cy="144016"/>
+          </a:xfrm>
+          <a:prstGeom prst="straightConnector1">
+            <a:avLst/>
+          </a:prstGeom>
+          <a:ln>
+            <a:headEnd w="sm" len="sm"/>
+            <a:tailEnd type="arrow" w="sm" len="sm"/>
+          </a:ln>
+        </p:spPr>
+        <p:style>
+          <a:lnRef idx="1">
+            <a:schemeClr val="accent1"/>
+          </a:lnRef>
+          <a:fillRef idx="0">
+            <a:schemeClr val="accent1"/>
+          </a:fillRef>
+          <a:effectRef idx="0">
+            <a:schemeClr val="accent1"/>
+          </a:effectRef>
+          <a:fontRef idx="minor">
+            <a:schemeClr val="tx1"/>
+          </a:fontRef>
+        </p:style>
+      </p:cxnSp>
+      <p:cxnSp>
+        <p:nvCxnSpPr>
+          <p:cNvPr id="195" name="직선 화살표 연결선 194"/>
+          <p:cNvCxnSpPr/>
+          <p:nvPr/>
+        </p:nvCxnSpPr>
+        <p:spPr>
+          <a:xfrm>
+            <a:off x="2962282" y="1279991"/>
+            <a:ext cx="0" cy="144016"/>
+          </a:xfrm>
+          <a:prstGeom prst="straightConnector1">
+            <a:avLst/>
+          </a:prstGeom>
+          <a:ln>
+            <a:headEnd w="sm" len="sm"/>
+            <a:tailEnd type="arrow" w="sm" len="sm"/>
+          </a:ln>
+        </p:spPr>
+        <p:style>
+          <a:lnRef idx="1">
+            <a:schemeClr val="accent1"/>
+          </a:lnRef>
+          <a:fillRef idx="0">
+            <a:schemeClr val="accent1"/>
+          </a:fillRef>
+          <a:effectRef idx="0">
+            <a:schemeClr val="accent1"/>
+          </a:effectRef>
+          <a:fontRef idx="minor">
+            <a:schemeClr val="tx1"/>
+          </a:fontRef>
+        </p:style>
+      </p:cxnSp>
+      <p:cxnSp>
+        <p:nvCxnSpPr>
+          <p:cNvPr id="196" name="직선 화살표 연결선 195"/>
+          <p:cNvCxnSpPr/>
+          <p:nvPr/>
+        </p:nvCxnSpPr>
+        <p:spPr>
+          <a:xfrm>
+            <a:off x="3050332" y="1279991"/>
+            <a:ext cx="0" cy="144016"/>
+          </a:xfrm>
+          <a:prstGeom prst="straightConnector1">
+            <a:avLst/>
+          </a:prstGeom>
+          <a:ln>
+            <a:headEnd w="sm" len="sm"/>
+            <a:tailEnd type="arrow" w="sm" len="sm"/>
+          </a:ln>
+        </p:spPr>
+        <p:style>
+          <a:lnRef idx="1">
+            <a:schemeClr val="accent1"/>
+          </a:lnRef>
+          <a:fillRef idx="0">
+            <a:schemeClr val="accent1"/>
+          </a:fillRef>
+          <a:effectRef idx="0">
+            <a:schemeClr val="accent1"/>
+          </a:effectRef>
+          <a:fontRef idx="minor">
+            <a:schemeClr val="tx1"/>
+          </a:fontRef>
+        </p:style>
+      </p:cxnSp>
+      <p:cxnSp>
+        <p:nvCxnSpPr>
+          <p:cNvPr id="197" name="직선 화살표 연결선 196"/>
+          <p:cNvCxnSpPr/>
+          <p:nvPr/>
+        </p:nvCxnSpPr>
+        <p:spPr>
+          <a:xfrm>
+            <a:off x="3138382" y="1279991"/>
+            <a:ext cx="0" cy="144016"/>
+          </a:xfrm>
+          <a:prstGeom prst="straightConnector1">
+            <a:avLst/>
+          </a:prstGeom>
+          <a:ln>
+            <a:headEnd w="sm" len="sm"/>
+            <a:tailEnd type="arrow" w="sm" len="sm"/>
+          </a:ln>
+        </p:spPr>
+        <p:style>
+          <a:lnRef idx="1">
+            <a:schemeClr val="accent1"/>
+          </a:lnRef>
+          <a:fillRef idx="0">
+            <a:schemeClr val="accent1"/>
+          </a:fillRef>
+          <a:effectRef idx="0">
+            <a:schemeClr val="accent1"/>
+          </a:effectRef>
+          <a:fontRef idx="minor">
+            <a:schemeClr val="tx1"/>
+          </a:fontRef>
+        </p:style>
+      </p:cxnSp>
+      <p:cxnSp>
+        <p:nvCxnSpPr>
+          <p:cNvPr id="198" name="직선 화살표 연결선 197"/>
+          <p:cNvCxnSpPr/>
+          <p:nvPr/>
+        </p:nvCxnSpPr>
+        <p:spPr>
+          <a:xfrm>
+            <a:off x="3226432" y="1279991"/>
+            <a:ext cx="0" cy="144016"/>
+          </a:xfrm>
+          <a:prstGeom prst="straightConnector1">
+            <a:avLst/>
+          </a:prstGeom>
+          <a:ln>
+            <a:headEnd w="sm" len="sm"/>
+            <a:tailEnd type="arrow" w="sm" len="sm"/>
+          </a:ln>
+        </p:spPr>
+        <p:style>
+          <a:lnRef idx="1">
+            <a:schemeClr val="accent1"/>
+          </a:lnRef>
+          <a:fillRef idx="0">
+            <a:schemeClr val="accent1"/>
+          </a:fillRef>
+          <a:effectRef idx="0">
+            <a:schemeClr val="accent1"/>
+          </a:effectRef>
+          <a:fontRef idx="minor">
+            <a:schemeClr val="tx1"/>
+          </a:fontRef>
+        </p:style>
+      </p:cxnSp>
+      <p:cxnSp>
+        <p:nvCxnSpPr>
+          <p:cNvPr id="199" name="직선 화살표 연결선 198"/>
+          <p:cNvCxnSpPr/>
+          <p:nvPr/>
+        </p:nvCxnSpPr>
+        <p:spPr>
+          <a:xfrm>
+            <a:off x="3314482" y="1279991"/>
+            <a:ext cx="0" cy="144016"/>
+          </a:xfrm>
+          <a:prstGeom prst="straightConnector1">
+            <a:avLst/>
+          </a:prstGeom>
+          <a:ln>
+            <a:headEnd w="sm" len="sm"/>
+            <a:tailEnd type="arrow" w="sm" len="sm"/>
+          </a:ln>
+        </p:spPr>
+        <p:style>
+          <a:lnRef idx="1">
+            <a:schemeClr val="accent1"/>
+          </a:lnRef>
+          <a:fillRef idx="0">
+            <a:schemeClr val="accent1"/>
+          </a:fillRef>
+          <a:effectRef idx="0">
+            <a:schemeClr val="accent1"/>
+          </a:effectRef>
+          <a:fontRef idx="minor">
+            <a:schemeClr val="tx1"/>
+          </a:fontRef>
+        </p:style>
+      </p:cxnSp>
+      <p:cxnSp>
+        <p:nvCxnSpPr>
+          <p:cNvPr id="200" name="직선 화살표 연결선 199"/>
+          <p:cNvCxnSpPr/>
+          <p:nvPr/>
+        </p:nvCxnSpPr>
+        <p:spPr>
+          <a:xfrm>
+            <a:off x="3402532" y="1279991"/>
+            <a:ext cx="0" cy="144016"/>
+          </a:xfrm>
+          <a:prstGeom prst="straightConnector1">
+            <a:avLst/>
+          </a:prstGeom>
+          <a:ln>
+            <a:headEnd w="sm" len="sm"/>
+            <a:tailEnd type="arrow" w="sm" len="sm"/>
+          </a:ln>
+        </p:spPr>
+        <p:style>
+          <a:lnRef idx="1">
+            <a:schemeClr val="accent1"/>
+          </a:lnRef>
+          <a:fillRef idx="0">
+            <a:schemeClr val="accent1"/>
+          </a:fillRef>
+          <a:effectRef idx="0">
+            <a:schemeClr val="accent1"/>
+          </a:effectRef>
+          <a:fontRef idx="minor">
+            <a:schemeClr val="tx1"/>
+          </a:fontRef>
+        </p:style>
+      </p:cxnSp>
+      <p:cxnSp>
+        <p:nvCxnSpPr>
+          <p:cNvPr id="201" name="직선 화살표 연결선 200"/>
+          <p:cNvCxnSpPr/>
+          <p:nvPr/>
+        </p:nvCxnSpPr>
+        <p:spPr>
+          <a:xfrm>
+            <a:off x="3490582" y="1279991"/>
+            <a:ext cx="0" cy="144016"/>
+          </a:xfrm>
+          <a:prstGeom prst="straightConnector1">
+            <a:avLst/>
+          </a:prstGeom>
+          <a:ln>
+            <a:headEnd w="sm" len="sm"/>
+            <a:tailEnd type="arrow" w="sm" len="sm"/>
+          </a:ln>
+        </p:spPr>
+        <p:style>
+          <a:lnRef idx="1">
+            <a:schemeClr val="accent1"/>
+          </a:lnRef>
+          <a:fillRef idx="0">
+            <a:schemeClr val="accent1"/>
+          </a:fillRef>
+          <a:effectRef idx="0">
+            <a:schemeClr val="accent1"/>
+          </a:effectRef>
+          <a:fontRef idx="minor">
+            <a:schemeClr val="tx1"/>
+          </a:fontRef>
+        </p:style>
+      </p:cxnSp>
+      <p:cxnSp>
+        <p:nvCxnSpPr>
+          <p:cNvPr id="202" name="직선 화살표 연결선 201"/>
+          <p:cNvCxnSpPr/>
+          <p:nvPr/>
+        </p:nvCxnSpPr>
+        <p:spPr>
+          <a:xfrm>
+            <a:off x="3578632" y="1279991"/>
+            <a:ext cx="0" cy="144016"/>
+          </a:xfrm>
+          <a:prstGeom prst="straightConnector1">
+            <a:avLst/>
+          </a:prstGeom>
+          <a:ln>
+            <a:headEnd w="sm" len="sm"/>
+            <a:tailEnd type="arrow" w="sm" len="sm"/>
+          </a:ln>
+        </p:spPr>
+        <p:style>
+          <a:lnRef idx="1">
+            <a:schemeClr val="accent1"/>
+          </a:lnRef>
+          <a:fillRef idx="0">
+            <a:schemeClr val="accent1"/>
+          </a:fillRef>
+          <a:effectRef idx="0">
+            <a:schemeClr val="accent1"/>
+          </a:effectRef>
+          <a:fontRef idx="minor">
+            <a:schemeClr val="tx1"/>
+          </a:fontRef>
+        </p:style>
+      </p:cxnSp>
+      <p:cxnSp>
+        <p:nvCxnSpPr>
+          <p:cNvPr id="203" name="직선 화살표 연결선 202"/>
+          <p:cNvCxnSpPr/>
+          <p:nvPr/>
+        </p:nvCxnSpPr>
+        <p:spPr>
+          <a:xfrm>
+            <a:off x="3666682" y="1279991"/>
+            <a:ext cx="0" cy="144016"/>
+          </a:xfrm>
+          <a:prstGeom prst="straightConnector1">
+            <a:avLst/>
+          </a:prstGeom>
+          <a:ln>
+            <a:headEnd w="sm" len="sm"/>
+            <a:tailEnd type="arrow" w="sm" len="sm"/>
+          </a:ln>
+        </p:spPr>
+        <p:style>
+          <a:lnRef idx="1">
+            <a:schemeClr val="accent1"/>
+          </a:lnRef>
+          <a:fillRef idx="0">
+            <a:schemeClr val="accent1"/>
+          </a:fillRef>
+          <a:effectRef idx="0">
+            <a:schemeClr val="accent1"/>
+          </a:effectRef>
+          <a:fontRef idx="minor">
+            <a:schemeClr val="tx1"/>
+          </a:fontRef>
+        </p:style>
+      </p:cxnSp>
+      <p:cxnSp>
+        <p:nvCxnSpPr>
+          <p:cNvPr id="204" name="직선 화살표 연결선 203"/>
+          <p:cNvCxnSpPr/>
+          <p:nvPr/>
+        </p:nvCxnSpPr>
+        <p:spPr>
+          <a:xfrm>
+            <a:off x="3754732" y="1279991"/>
+            <a:ext cx="0" cy="144016"/>
+          </a:xfrm>
+          <a:prstGeom prst="straightConnector1">
+            <a:avLst/>
+          </a:prstGeom>
+          <a:ln>
+            <a:headEnd w="sm" len="sm"/>
+            <a:tailEnd type="arrow" w="sm" len="sm"/>
+          </a:ln>
+        </p:spPr>
+        <p:style>
+          <a:lnRef idx="1">
+            <a:schemeClr val="accent1"/>
+          </a:lnRef>
+          <a:fillRef idx="0">
+            <a:schemeClr val="accent1"/>
+          </a:fillRef>
+          <a:effectRef idx="0">
+            <a:schemeClr val="accent1"/>
+          </a:effectRef>
+          <a:fontRef idx="minor">
+            <a:schemeClr val="tx1"/>
+          </a:fontRef>
+        </p:style>
+      </p:cxnSp>
+      <p:cxnSp>
+        <p:nvCxnSpPr>
+          <p:cNvPr id="205" name="직선 화살표 연결선 204"/>
+          <p:cNvCxnSpPr/>
+          <p:nvPr/>
+        </p:nvCxnSpPr>
+        <p:spPr>
+          <a:xfrm>
+            <a:off x="3842782" y="1279991"/>
+            <a:ext cx="0" cy="144016"/>
+          </a:xfrm>
+          <a:prstGeom prst="straightConnector1">
+            <a:avLst/>
+          </a:prstGeom>
+          <a:ln>
+            <a:headEnd w="sm" len="sm"/>
+            <a:tailEnd type="arrow" w="sm" len="sm"/>
+          </a:ln>
+        </p:spPr>
+        <p:style>
+          <a:lnRef idx="1">
+            <a:schemeClr val="accent1"/>
+          </a:lnRef>
+          <a:fillRef idx="0">
+            <a:schemeClr val="accent1"/>
+          </a:fillRef>
+          <a:effectRef idx="0">
+            <a:schemeClr val="accent1"/>
+          </a:effectRef>
+          <a:fontRef idx="minor">
+            <a:schemeClr val="tx1"/>
+          </a:fontRef>
+        </p:style>
+      </p:cxnSp>
+      <p:cxnSp>
+        <p:nvCxnSpPr>
+          <p:cNvPr id="206" name="직선 화살표 연결선 205"/>
+          <p:cNvCxnSpPr/>
+          <p:nvPr/>
+        </p:nvCxnSpPr>
+        <p:spPr>
+          <a:xfrm>
+            <a:off x="3930832" y="1279991"/>
+            <a:ext cx="0" cy="144016"/>
+          </a:xfrm>
+          <a:prstGeom prst="straightConnector1">
+            <a:avLst/>
+          </a:prstGeom>
+          <a:ln>
+            <a:headEnd w="sm" len="sm"/>
+            <a:tailEnd type="arrow" w="sm" len="sm"/>
+          </a:ln>
+        </p:spPr>
+        <p:style>
+          <a:lnRef idx="1">
+            <a:schemeClr val="accent1"/>
+          </a:lnRef>
+          <a:fillRef idx="0">
+            <a:schemeClr val="accent1"/>
+          </a:fillRef>
+          <a:effectRef idx="0">
+            <a:schemeClr val="accent1"/>
+          </a:effectRef>
+          <a:fontRef idx="minor">
+            <a:schemeClr val="tx1"/>
+          </a:fontRef>
+        </p:style>
+      </p:cxnSp>
+      <p:cxnSp>
+        <p:nvCxnSpPr>
+          <p:cNvPr id="207" name="직선 화살표 연결선 206"/>
+          <p:cNvCxnSpPr/>
+          <p:nvPr/>
+        </p:nvCxnSpPr>
+        <p:spPr>
+          <a:xfrm>
+            <a:off x="4018882" y="1279991"/>
+            <a:ext cx="0" cy="144016"/>
+          </a:xfrm>
+          <a:prstGeom prst="straightConnector1">
+            <a:avLst/>
+          </a:prstGeom>
+          <a:ln>
+            <a:headEnd w="sm" len="sm"/>
+            <a:tailEnd type="arrow" w="sm" len="sm"/>
+          </a:ln>
+        </p:spPr>
+        <p:style>
+          <a:lnRef idx="1">
+            <a:schemeClr val="accent1"/>
+          </a:lnRef>
+          <a:fillRef idx="0">
+            <a:schemeClr val="accent1"/>
+          </a:fillRef>
+          <a:effectRef idx="0">
+            <a:schemeClr val="accent1"/>
+          </a:effectRef>
+          <a:fontRef idx="minor">
+            <a:schemeClr val="tx1"/>
+          </a:fontRef>
+        </p:style>
+      </p:cxnSp>
+      <p:cxnSp>
+        <p:nvCxnSpPr>
+          <p:cNvPr id="208" name="직선 화살표 연결선 207"/>
+          <p:cNvCxnSpPr/>
+          <p:nvPr/>
+        </p:nvCxnSpPr>
+        <p:spPr>
+          <a:xfrm>
+            <a:off x="4106932" y="1279991"/>
+            <a:ext cx="0" cy="144016"/>
+          </a:xfrm>
+          <a:prstGeom prst="straightConnector1">
+            <a:avLst/>
+          </a:prstGeom>
+          <a:ln>
+            <a:headEnd w="sm" len="sm"/>
+            <a:tailEnd type="arrow" w="sm" len="sm"/>
+          </a:ln>
+        </p:spPr>
+        <p:style>
+          <a:lnRef idx="1">
+            <a:schemeClr val="accent1"/>
+          </a:lnRef>
+          <a:fillRef idx="0">
+            <a:schemeClr val="accent1"/>
+          </a:fillRef>
+          <a:effectRef idx="0">
+            <a:schemeClr val="accent1"/>
+          </a:effectRef>
+          <a:fontRef idx="minor">
+            <a:schemeClr val="tx1"/>
+          </a:fontRef>
+        </p:style>
+      </p:cxnSp>
+      <p:cxnSp>
+        <p:nvCxnSpPr>
+          <p:cNvPr id="209" name="직선 화살표 연결선 208"/>
+          <p:cNvCxnSpPr/>
+          <p:nvPr/>
+        </p:nvCxnSpPr>
+        <p:spPr>
+          <a:xfrm>
+            <a:off x="4194982" y="1279991"/>
+            <a:ext cx="0" cy="144016"/>
+          </a:xfrm>
+          <a:prstGeom prst="straightConnector1">
+            <a:avLst/>
+          </a:prstGeom>
+          <a:ln>
+            <a:headEnd w="sm" len="sm"/>
+            <a:tailEnd type="arrow" w="sm" len="sm"/>
+          </a:ln>
+        </p:spPr>
+        <p:style>
+          <a:lnRef idx="1">
+            <a:schemeClr val="accent1"/>
+          </a:lnRef>
+          <a:fillRef idx="0">
+            <a:schemeClr val="accent1"/>
+          </a:fillRef>
+          <a:effectRef idx="0">
+            <a:schemeClr val="accent1"/>
+          </a:effectRef>
+          <a:fontRef idx="minor">
+            <a:schemeClr val="tx1"/>
+          </a:fontRef>
+        </p:style>
+      </p:cxnSp>
+      <p:cxnSp>
+        <p:nvCxnSpPr>
+          <p:cNvPr id="210" name="직선 화살표 연결선 209"/>
+          <p:cNvCxnSpPr/>
+          <p:nvPr/>
+        </p:nvCxnSpPr>
+        <p:spPr>
+          <a:xfrm>
+            <a:off x="4283032" y="1279991"/>
+            <a:ext cx="0" cy="144016"/>
+          </a:xfrm>
+          <a:prstGeom prst="straightConnector1">
+            <a:avLst/>
+          </a:prstGeom>
+          <a:ln>
+            <a:headEnd w="sm" len="sm"/>
+            <a:tailEnd type="arrow" w="sm" len="sm"/>
+          </a:ln>
+        </p:spPr>
+        <p:style>
+          <a:lnRef idx="1">
+            <a:schemeClr val="accent1"/>
+          </a:lnRef>
+          <a:fillRef idx="0">
+            <a:schemeClr val="accent1"/>
+          </a:fillRef>
+          <a:effectRef idx="0">
+            <a:schemeClr val="accent1"/>
+          </a:effectRef>
+          <a:fontRef idx="minor">
+            <a:schemeClr val="tx1"/>
+          </a:fontRef>
+        </p:style>
+      </p:cxnSp>
+      <p:cxnSp>
+        <p:nvCxnSpPr>
+          <p:cNvPr id="211" name="직선 화살표 연결선 210"/>
+          <p:cNvCxnSpPr/>
+          <p:nvPr/>
+        </p:nvCxnSpPr>
+        <p:spPr>
+          <a:xfrm>
+            <a:off x="4371082" y="1279991"/>
+            <a:ext cx="0" cy="144016"/>
+          </a:xfrm>
+          <a:prstGeom prst="straightConnector1">
+            <a:avLst/>
+          </a:prstGeom>
+          <a:ln>
+            <a:headEnd w="sm" len="sm"/>
+            <a:tailEnd type="arrow" w="sm" len="sm"/>
+          </a:ln>
+        </p:spPr>
+        <p:style>
+          <a:lnRef idx="1">
+            <a:schemeClr val="accent1"/>
+          </a:lnRef>
+          <a:fillRef idx="0">
+            <a:schemeClr val="accent1"/>
+          </a:fillRef>
+          <a:effectRef idx="0">
+            <a:schemeClr val="accent1"/>
+          </a:effectRef>
+          <a:fontRef idx="minor">
+            <a:schemeClr val="tx1"/>
+          </a:fontRef>
+        </p:style>
+      </p:cxnSp>
+      <p:cxnSp>
+        <p:nvCxnSpPr>
+          <p:cNvPr id="212" name="직선 화살표 연결선 211"/>
+          <p:cNvCxnSpPr/>
+          <p:nvPr/>
+        </p:nvCxnSpPr>
+        <p:spPr>
+          <a:xfrm>
+            <a:off x="4459132" y="1279991"/>
+            <a:ext cx="0" cy="144016"/>
+          </a:xfrm>
+          <a:prstGeom prst="straightConnector1">
+            <a:avLst/>
+          </a:prstGeom>
+          <a:ln>
+            <a:headEnd w="sm" len="sm"/>
+            <a:tailEnd type="arrow" w="sm" len="sm"/>
+          </a:ln>
+        </p:spPr>
+        <p:style>
+          <a:lnRef idx="1">
+            <a:schemeClr val="accent1"/>
+          </a:lnRef>
+          <a:fillRef idx="0">
+            <a:schemeClr val="accent1"/>
+          </a:fillRef>
+          <a:effectRef idx="0">
+            <a:schemeClr val="accent1"/>
+          </a:effectRef>
+          <a:fontRef idx="minor">
+            <a:schemeClr val="tx1"/>
+          </a:fontRef>
+        </p:style>
+      </p:cxnSp>
+      <p:cxnSp>
+        <p:nvCxnSpPr>
+          <p:cNvPr id="213" name="직선 화살표 연결선 212"/>
+          <p:cNvCxnSpPr/>
+          <p:nvPr/>
+        </p:nvCxnSpPr>
+        <p:spPr>
+          <a:xfrm>
+            <a:off x="4547182" y="1279991"/>
+            <a:ext cx="0" cy="144016"/>
+          </a:xfrm>
+          <a:prstGeom prst="straightConnector1">
+            <a:avLst/>
+          </a:prstGeom>
+          <a:ln>
+            <a:headEnd w="sm" len="sm"/>
+            <a:tailEnd type="arrow" w="sm" len="sm"/>
+          </a:ln>
+        </p:spPr>
+        <p:style>
+          <a:lnRef idx="1">
+            <a:schemeClr val="accent1"/>
+          </a:lnRef>
+          <a:fillRef idx="0">
+            <a:schemeClr val="accent1"/>
+          </a:fillRef>
+          <a:effectRef idx="0">
+            <a:schemeClr val="accent1"/>
+          </a:effectRef>
+          <a:fontRef idx="minor">
+            <a:schemeClr val="tx1"/>
+          </a:fontRef>
+        </p:style>
+      </p:cxnSp>
+      <p:cxnSp>
+        <p:nvCxnSpPr>
+          <p:cNvPr id="214" name="직선 화살표 연결선 213"/>
+          <p:cNvCxnSpPr/>
+          <p:nvPr/>
+        </p:nvCxnSpPr>
+        <p:spPr>
+          <a:xfrm>
+            <a:off x="4635232" y="1279991"/>
+            <a:ext cx="0" cy="144016"/>
+          </a:xfrm>
+          <a:prstGeom prst="straightConnector1">
+            <a:avLst/>
+          </a:prstGeom>
+          <a:ln>
+            <a:headEnd w="sm" len="sm"/>
+            <a:tailEnd type="arrow" w="sm" len="sm"/>
+          </a:ln>
+        </p:spPr>
+        <p:style>
+          <a:lnRef idx="1">
+            <a:schemeClr val="accent1"/>
+          </a:lnRef>
+          <a:fillRef idx="0">
+            <a:schemeClr val="accent1"/>
+          </a:fillRef>
+          <a:effectRef idx="0">
+            <a:schemeClr val="accent1"/>
+          </a:effectRef>
+          <a:fontRef idx="minor">
+            <a:schemeClr val="tx1"/>
+          </a:fontRef>
+        </p:style>
+      </p:cxnSp>
+      <p:cxnSp>
+        <p:nvCxnSpPr>
+          <p:cNvPr id="215" name="직선 화살표 연결선 214"/>
+          <p:cNvCxnSpPr/>
+          <p:nvPr/>
+        </p:nvCxnSpPr>
+        <p:spPr>
+          <a:xfrm>
+            <a:off x="4723282" y="1279991"/>
+            <a:ext cx="0" cy="144016"/>
+          </a:xfrm>
+          <a:prstGeom prst="straightConnector1">
+            <a:avLst/>
+          </a:prstGeom>
+          <a:ln>
+            <a:headEnd w="sm" len="sm"/>
+            <a:tailEnd type="arrow" w="sm" len="sm"/>
+          </a:ln>
+        </p:spPr>
+        <p:style>
+          <a:lnRef idx="1">
+            <a:schemeClr val="accent1"/>
+          </a:lnRef>
+          <a:fillRef idx="0">
+            <a:schemeClr val="accent1"/>
+          </a:fillRef>
+          <a:effectRef idx="0">
+            <a:schemeClr val="accent1"/>
+          </a:effectRef>
+          <a:fontRef idx="minor">
+            <a:schemeClr val="tx1"/>
+          </a:fontRef>
+        </p:style>
+      </p:cxnSp>
+      <p:cxnSp>
+        <p:nvCxnSpPr>
+          <p:cNvPr id="216" name="직선 화살표 연결선 215"/>
+          <p:cNvCxnSpPr/>
+          <p:nvPr/>
+        </p:nvCxnSpPr>
+        <p:spPr>
+          <a:xfrm>
+            <a:off x="4811332" y="1279991"/>
+            <a:ext cx="0" cy="144016"/>
+          </a:xfrm>
+          <a:prstGeom prst="straightConnector1">
+            <a:avLst/>
+          </a:prstGeom>
+          <a:ln>
+            <a:headEnd w="sm" len="sm"/>
+            <a:tailEnd type="arrow" w="sm" len="sm"/>
+          </a:ln>
+        </p:spPr>
+        <p:style>
+          <a:lnRef idx="1">
+            <a:schemeClr val="accent1"/>
+          </a:lnRef>
+          <a:fillRef idx="0">
+            <a:schemeClr val="accent1"/>
+          </a:fillRef>
+          <a:effectRef idx="0">
+            <a:schemeClr val="accent1"/>
+          </a:effectRef>
+          <a:fontRef idx="minor">
+            <a:schemeClr val="tx1"/>
+          </a:fontRef>
+        </p:style>
+      </p:cxnSp>
+      <p:cxnSp>
+        <p:nvCxnSpPr>
+          <p:cNvPr id="217" name="직선 화살표 연결선 216"/>
+          <p:cNvCxnSpPr/>
+          <p:nvPr/>
+        </p:nvCxnSpPr>
+        <p:spPr>
+          <a:xfrm>
+            <a:off x="4899382" y="1279991"/>
+            <a:ext cx="0" cy="144016"/>
+          </a:xfrm>
+          <a:prstGeom prst="straightConnector1">
+            <a:avLst/>
+          </a:prstGeom>
+          <a:ln>
+            <a:headEnd w="sm" len="sm"/>
+            <a:tailEnd type="arrow" w="sm" len="sm"/>
+          </a:ln>
+        </p:spPr>
+        <p:style>
+          <a:lnRef idx="1">
+            <a:schemeClr val="accent1"/>
+          </a:lnRef>
+          <a:fillRef idx="0">
+            <a:schemeClr val="accent1"/>
+          </a:fillRef>
+          <a:effectRef idx="0">
+            <a:schemeClr val="accent1"/>
+          </a:effectRef>
+          <a:fontRef idx="minor">
+            <a:schemeClr val="tx1"/>
+          </a:fontRef>
+        </p:style>
+      </p:cxnSp>
+      <p:cxnSp>
+        <p:nvCxnSpPr>
+          <p:cNvPr id="218" name="직선 화살표 연결선 217"/>
+          <p:cNvCxnSpPr/>
+          <p:nvPr/>
+        </p:nvCxnSpPr>
+        <p:spPr>
+          <a:xfrm>
+            <a:off x="4987432" y="1279991"/>
+            <a:ext cx="0" cy="144016"/>
+          </a:xfrm>
+          <a:prstGeom prst="straightConnector1">
+            <a:avLst/>
+          </a:prstGeom>
+          <a:ln>
+            <a:headEnd w="sm" len="sm"/>
+            <a:tailEnd type="arrow" w="sm" len="sm"/>
+          </a:ln>
+        </p:spPr>
+        <p:style>
+          <a:lnRef idx="1">
+            <a:schemeClr val="accent1"/>
+          </a:lnRef>
+          <a:fillRef idx="0">
+            <a:schemeClr val="accent1"/>
+          </a:fillRef>
+          <a:effectRef idx="0">
+            <a:schemeClr val="accent1"/>
+          </a:effectRef>
+          <a:fontRef idx="minor">
+            <a:schemeClr val="tx1"/>
+          </a:fontRef>
+        </p:style>
+      </p:cxnSp>
+      <p:cxnSp>
+        <p:nvCxnSpPr>
+          <p:cNvPr id="219" name="직선 화살표 연결선 218"/>
+          <p:cNvCxnSpPr/>
+          <p:nvPr/>
+        </p:nvCxnSpPr>
+        <p:spPr>
+          <a:xfrm>
+            <a:off x="5075482" y="1279991"/>
+            <a:ext cx="0" cy="144016"/>
+          </a:xfrm>
+          <a:prstGeom prst="straightConnector1">
+            <a:avLst/>
+          </a:prstGeom>
+          <a:ln>
+            <a:headEnd w="sm" len="sm"/>
+            <a:tailEnd type="arrow" w="sm" len="sm"/>
+          </a:ln>
+        </p:spPr>
+        <p:style>
+          <a:lnRef idx="1">
+            <a:schemeClr val="accent1"/>
+          </a:lnRef>
+          <a:fillRef idx="0">
+            <a:schemeClr val="accent1"/>
+          </a:fillRef>
+          <a:effectRef idx="0">
+            <a:schemeClr val="accent1"/>
+          </a:effectRef>
+          <a:fontRef idx="minor">
+            <a:schemeClr val="tx1"/>
+          </a:fontRef>
+        </p:style>
+      </p:cxnSp>
+      <p:cxnSp>
+        <p:nvCxnSpPr>
+          <p:cNvPr id="220" name="직선 화살표 연결선 219"/>
+          <p:cNvCxnSpPr/>
+          <p:nvPr/>
+        </p:nvCxnSpPr>
+        <p:spPr>
+          <a:xfrm>
+            <a:off x="5163532" y="1279991"/>
+            <a:ext cx="0" cy="144016"/>
+          </a:xfrm>
+          <a:prstGeom prst="straightConnector1">
+            <a:avLst/>
+          </a:prstGeom>
+          <a:ln>
+            <a:headEnd w="sm" len="sm"/>
+            <a:tailEnd type="arrow" w="sm" len="sm"/>
+          </a:ln>
+        </p:spPr>
+        <p:style>
+          <a:lnRef idx="1">
+            <a:schemeClr val="accent1"/>
+          </a:lnRef>
+          <a:fillRef idx="0">
+            <a:schemeClr val="accent1"/>
+          </a:fillRef>
+          <a:effectRef idx="0">
+            <a:schemeClr val="accent1"/>
+          </a:effectRef>
+          <a:fontRef idx="minor">
+            <a:schemeClr val="tx1"/>
+          </a:fontRef>
+        </p:style>
+      </p:cxnSp>
+      <p:cxnSp>
+        <p:nvCxnSpPr>
+          <p:cNvPr id="221" name="직선 화살표 연결선 220"/>
+          <p:cNvCxnSpPr/>
+          <p:nvPr/>
+        </p:nvCxnSpPr>
+        <p:spPr>
+          <a:xfrm>
+            <a:off x="5251582" y="1279991"/>
+            <a:ext cx="0" cy="144016"/>
+          </a:xfrm>
+          <a:prstGeom prst="straightConnector1">
+            <a:avLst/>
+          </a:prstGeom>
+          <a:ln>
+            <a:headEnd w="sm" len="sm"/>
+            <a:tailEnd type="arrow" w="sm" len="sm"/>
+          </a:ln>
+        </p:spPr>
+        <p:style>
+          <a:lnRef idx="1">
+            <a:schemeClr val="accent1"/>
+          </a:lnRef>
+          <a:fillRef idx="0">
+            <a:schemeClr val="accent1"/>
+          </a:fillRef>
+          <a:effectRef idx="0">
+            <a:schemeClr val="accent1"/>
+          </a:effectRef>
+          <a:fontRef idx="minor">
+            <a:schemeClr val="tx1"/>
+          </a:fontRef>
+        </p:style>
+      </p:cxnSp>
+      <p:cxnSp>
+        <p:nvCxnSpPr>
+          <p:cNvPr id="222" name="직선 화살표 연결선 221"/>
+          <p:cNvCxnSpPr/>
+          <p:nvPr/>
+        </p:nvCxnSpPr>
+        <p:spPr>
+          <a:xfrm>
+            <a:off x="5339632" y="1279991"/>
+            <a:ext cx="0" cy="144016"/>
+          </a:xfrm>
+          <a:prstGeom prst="straightConnector1">
+            <a:avLst/>
+          </a:prstGeom>
+          <a:ln>
+            <a:headEnd w="sm" len="sm"/>
+            <a:tailEnd type="arrow" w="sm" len="sm"/>
+          </a:ln>
+        </p:spPr>
+        <p:style>
+          <a:lnRef idx="1">
+            <a:schemeClr val="accent1"/>
+          </a:lnRef>
+          <a:fillRef idx="0">
+            <a:schemeClr val="accent1"/>
+          </a:fillRef>
+          <a:effectRef idx="0">
+            <a:schemeClr val="accent1"/>
+          </a:effectRef>
+          <a:fontRef idx="minor">
+            <a:schemeClr val="tx1"/>
+          </a:fontRef>
+        </p:style>
+      </p:cxnSp>
+      <p:cxnSp>
+        <p:nvCxnSpPr>
+          <p:cNvPr id="223" name="직선 화살표 연결선 222"/>
+          <p:cNvCxnSpPr/>
+          <p:nvPr/>
+        </p:nvCxnSpPr>
+        <p:spPr>
+          <a:xfrm>
+            <a:off x="5427682" y="1279991"/>
+            <a:ext cx="0" cy="144016"/>
+          </a:xfrm>
+          <a:prstGeom prst="straightConnector1">
+            <a:avLst/>
+          </a:prstGeom>
+          <a:ln>
+            <a:headEnd w="sm" len="sm"/>
+            <a:tailEnd type="arrow" w="sm" len="sm"/>
+          </a:ln>
+        </p:spPr>
+        <p:style>
+          <a:lnRef idx="1">
+            <a:schemeClr val="accent1"/>
+          </a:lnRef>
+          <a:fillRef idx="0">
+            <a:schemeClr val="accent1"/>
+          </a:fillRef>
+          <a:effectRef idx="0">
+            <a:schemeClr val="accent1"/>
+          </a:effectRef>
+          <a:fontRef idx="minor">
+            <a:schemeClr val="tx1"/>
+          </a:fontRef>
+        </p:style>
+      </p:cxnSp>
+      <p:cxnSp>
+        <p:nvCxnSpPr>
+          <p:cNvPr id="224" name="직선 화살표 연결선 223"/>
+          <p:cNvCxnSpPr/>
+          <p:nvPr/>
+        </p:nvCxnSpPr>
+        <p:spPr>
+          <a:xfrm>
+            <a:off x="5515732" y="1279991"/>
+            <a:ext cx="0" cy="144016"/>
+          </a:xfrm>
+          <a:prstGeom prst="straightConnector1">
+            <a:avLst/>
+          </a:prstGeom>
+          <a:ln>
+            <a:headEnd w="sm" len="sm"/>
+            <a:tailEnd type="arrow" w="sm" len="sm"/>
+          </a:ln>
+        </p:spPr>
+        <p:style>
+          <a:lnRef idx="1">
+            <a:schemeClr val="accent1"/>
+          </a:lnRef>
+          <a:fillRef idx="0">
+            <a:schemeClr val="accent1"/>
+          </a:fillRef>
+          <a:effectRef idx="0">
+            <a:schemeClr val="accent1"/>
+          </a:effectRef>
+          <a:fontRef idx="minor">
+            <a:schemeClr val="tx1"/>
+          </a:fontRef>
+        </p:style>
+      </p:cxnSp>
+      <p:cxnSp>
+        <p:nvCxnSpPr>
+          <p:cNvPr id="225" name="직선 화살표 연결선 224"/>
+          <p:cNvCxnSpPr/>
+          <p:nvPr/>
+        </p:nvCxnSpPr>
+        <p:spPr>
+          <a:xfrm>
+            <a:off x="5603782" y="1279991"/>
+            <a:ext cx="0" cy="144016"/>
+          </a:xfrm>
+          <a:prstGeom prst="straightConnector1">
+            <a:avLst/>
+          </a:prstGeom>
+          <a:ln>
+            <a:headEnd w="sm" len="sm"/>
+            <a:tailEnd type="arrow" w="sm" len="sm"/>
+          </a:ln>
+        </p:spPr>
+        <p:style>
+          <a:lnRef idx="1">
+            <a:schemeClr val="accent1"/>
+          </a:lnRef>
+          <a:fillRef idx="0">
+            <a:schemeClr val="accent1"/>
+          </a:fillRef>
+          <a:effectRef idx="0">
+            <a:schemeClr val="accent1"/>
+          </a:effectRef>
+          <a:fontRef idx="minor">
+            <a:schemeClr val="tx1"/>
+          </a:fontRef>
+        </p:style>
+      </p:cxnSp>
+      <p:cxnSp>
+        <p:nvCxnSpPr>
+          <p:cNvPr id="226" name="직선 화살표 연결선 225"/>
+          <p:cNvCxnSpPr/>
+          <p:nvPr/>
+        </p:nvCxnSpPr>
+        <p:spPr>
+          <a:xfrm>
+            <a:off x="5691832" y="1279991"/>
+            <a:ext cx="0" cy="144016"/>
+          </a:xfrm>
+          <a:prstGeom prst="straightConnector1">
+            <a:avLst/>
+          </a:prstGeom>
+          <a:ln>
+            <a:headEnd w="sm" len="sm"/>
+            <a:tailEnd type="arrow" w="sm" len="sm"/>
+          </a:ln>
+        </p:spPr>
+        <p:style>
+          <a:lnRef idx="1">
+            <a:schemeClr val="accent1"/>
+          </a:lnRef>
+          <a:fillRef idx="0">
+            <a:schemeClr val="accent1"/>
+          </a:fillRef>
+          <a:effectRef idx="0">
+            <a:schemeClr val="accent1"/>
+          </a:effectRef>
+          <a:fontRef idx="minor">
+            <a:schemeClr val="tx1"/>
+          </a:fontRef>
+        </p:style>
+      </p:cxnSp>
+      <p:cxnSp>
+        <p:nvCxnSpPr>
+          <p:cNvPr id="227" name="직선 화살표 연결선 226"/>
+          <p:cNvCxnSpPr/>
+          <p:nvPr/>
+        </p:nvCxnSpPr>
+        <p:spPr>
+          <a:xfrm>
+            <a:off x="5779882" y="1279991"/>
+            <a:ext cx="0" cy="144016"/>
+          </a:xfrm>
+          <a:prstGeom prst="straightConnector1">
+            <a:avLst/>
+          </a:prstGeom>
+          <a:ln>
+            <a:headEnd w="sm" len="sm"/>
+            <a:tailEnd type="arrow" w="sm" len="sm"/>
+          </a:ln>
+        </p:spPr>
+        <p:style>
+          <a:lnRef idx="1">
+            <a:schemeClr val="accent1"/>
+          </a:lnRef>
+          <a:fillRef idx="0">
+            <a:schemeClr val="accent1"/>
+          </a:fillRef>
+          <a:effectRef idx="0">
+            <a:schemeClr val="accent1"/>
+          </a:effectRef>
+          <a:fontRef idx="minor">
+            <a:schemeClr val="tx1"/>
+          </a:fontRef>
+        </p:style>
+      </p:cxnSp>
+      <p:cxnSp>
+        <p:nvCxnSpPr>
+          <p:cNvPr id="228" name="직선 화살표 연결선 227"/>
+          <p:cNvCxnSpPr/>
+          <p:nvPr/>
+        </p:nvCxnSpPr>
+        <p:spPr>
+          <a:xfrm>
+            <a:off x="5867932" y="1279991"/>
+            <a:ext cx="0" cy="144016"/>
+          </a:xfrm>
+          <a:prstGeom prst="straightConnector1">
+            <a:avLst/>
+          </a:prstGeom>
+          <a:ln>
+            <a:headEnd w="sm" len="sm"/>
+            <a:tailEnd type="arrow" w="sm" len="sm"/>
+          </a:ln>
+        </p:spPr>
+        <p:style>
+          <a:lnRef idx="1">
+            <a:schemeClr val="accent1"/>
+          </a:lnRef>
+          <a:fillRef idx="0">
+            <a:schemeClr val="accent1"/>
+          </a:fillRef>
+          <a:effectRef idx="0">
+            <a:schemeClr val="accent1"/>
+          </a:effectRef>
+          <a:fontRef idx="minor">
+            <a:schemeClr val="tx1"/>
+          </a:fontRef>
+        </p:style>
+      </p:cxnSp>
+      <p:cxnSp>
+        <p:nvCxnSpPr>
+          <p:cNvPr id="229" name="직선 화살표 연결선 228"/>
+          <p:cNvCxnSpPr/>
+          <p:nvPr/>
+        </p:nvCxnSpPr>
+        <p:spPr>
+          <a:xfrm>
+            <a:off x="5955982" y="1279991"/>
+            <a:ext cx="0" cy="144016"/>
+          </a:xfrm>
+          <a:prstGeom prst="straightConnector1">
+            <a:avLst/>
+          </a:prstGeom>
+          <a:ln>
+            <a:headEnd w="sm" len="sm"/>
+            <a:tailEnd type="arrow" w="sm" len="sm"/>
+          </a:ln>
+        </p:spPr>
+        <p:style>
+          <a:lnRef idx="1">
+            <a:schemeClr val="accent1"/>
+          </a:lnRef>
+          <a:fillRef idx="0">
+            <a:schemeClr val="accent1"/>
+          </a:fillRef>
+          <a:effectRef idx="0">
+            <a:schemeClr val="accent1"/>
+          </a:effectRef>
+          <a:fontRef idx="minor">
+            <a:schemeClr val="tx1"/>
+          </a:fontRef>
+        </p:style>
+      </p:cxnSp>
+      <p:cxnSp>
+        <p:nvCxnSpPr>
+          <p:cNvPr id="230" name="직선 화살표 연결선 229"/>
+          <p:cNvCxnSpPr/>
+          <p:nvPr/>
+        </p:nvCxnSpPr>
+        <p:spPr>
+          <a:xfrm>
+            <a:off x="6044032" y="1279991"/>
+            <a:ext cx="0" cy="144016"/>
+          </a:xfrm>
+          <a:prstGeom prst="straightConnector1">
+            <a:avLst/>
+          </a:prstGeom>
+          <a:ln>
+            <a:headEnd w="sm" len="sm"/>
+            <a:tailEnd type="arrow" w="sm" len="sm"/>
+          </a:ln>
+        </p:spPr>
+        <p:style>
+          <a:lnRef idx="1">
+            <a:schemeClr val="accent1"/>
+          </a:lnRef>
+          <a:fillRef idx="0">
+            <a:schemeClr val="accent1"/>
+          </a:fillRef>
+          <a:effectRef idx="0">
+            <a:schemeClr val="accent1"/>
+          </a:effectRef>
+          <a:fontRef idx="minor">
+            <a:schemeClr val="tx1"/>
+          </a:fontRef>
+        </p:style>
+      </p:cxnSp>
+      <p:cxnSp>
+        <p:nvCxnSpPr>
+          <p:cNvPr id="231" name="직선 화살표 연결선 230"/>
+          <p:cNvCxnSpPr/>
+          <p:nvPr/>
+        </p:nvCxnSpPr>
+        <p:spPr>
+          <a:xfrm>
+            <a:off x="6132082" y="1279991"/>
+            <a:ext cx="0" cy="144016"/>
+          </a:xfrm>
+          <a:prstGeom prst="straightConnector1">
+            <a:avLst/>
+          </a:prstGeom>
+          <a:ln>
+            <a:headEnd w="sm" len="sm"/>
+            <a:tailEnd type="arrow" w="sm" len="sm"/>
+          </a:ln>
+        </p:spPr>
+        <p:style>
+          <a:lnRef idx="1">
+            <a:schemeClr val="accent1"/>
+          </a:lnRef>
+          <a:fillRef idx="0">
+            <a:schemeClr val="accent1"/>
+          </a:fillRef>
+          <a:effectRef idx="0">
+            <a:schemeClr val="accent1"/>
+          </a:effectRef>
+          <a:fontRef idx="minor">
+            <a:schemeClr val="tx1"/>
+          </a:fontRef>
+        </p:style>
+      </p:cxnSp>
+      <p:cxnSp>
+        <p:nvCxnSpPr>
+          <p:cNvPr id="232" name="직선 화살표 연결선 231"/>
+          <p:cNvCxnSpPr/>
+          <p:nvPr/>
+        </p:nvCxnSpPr>
+        <p:spPr>
+          <a:xfrm>
+            <a:off x="6220132" y="1279991"/>
+            <a:ext cx="0" cy="144016"/>
+          </a:xfrm>
+          <a:prstGeom prst="straightConnector1">
+            <a:avLst/>
+          </a:prstGeom>
+          <a:ln>
+            <a:headEnd w="sm" len="sm"/>
+            <a:tailEnd type="arrow" w="sm" len="sm"/>
+          </a:ln>
+        </p:spPr>
+        <p:style>
+          <a:lnRef idx="1">
+            <a:schemeClr val="accent1"/>
+          </a:lnRef>
+          <a:fillRef idx="0">
+            <a:schemeClr val="accent1"/>
+          </a:fillRef>
+          <a:effectRef idx="0">
+            <a:schemeClr val="accent1"/>
+          </a:effectRef>
+          <a:fontRef idx="minor">
+            <a:schemeClr val="tx1"/>
+          </a:fontRef>
+        </p:style>
+      </p:cxnSp>
+      <p:cxnSp>
+        <p:nvCxnSpPr>
+          <p:cNvPr id="233" name="직선 화살표 연결선 232"/>
+          <p:cNvCxnSpPr/>
+          <p:nvPr/>
+        </p:nvCxnSpPr>
+        <p:spPr>
+          <a:xfrm>
+            <a:off x="6308182" y="1279991"/>
+            <a:ext cx="0" cy="144016"/>
+          </a:xfrm>
+          <a:prstGeom prst="straightConnector1">
+            <a:avLst/>
+          </a:prstGeom>
+          <a:ln>
+            <a:headEnd w="sm" len="sm"/>
+            <a:tailEnd type="arrow" w="sm" len="sm"/>
+          </a:ln>
+        </p:spPr>
+        <p:style>
+          <a:lnRef idx="1">
+            <a:schemeClr val="accent1"/>
+          </a:lnRef>
+          <a:fillRef idx="0">
+            <a:schemeClr val="accent1"/>
+          </a:fillRef>
+          <a:effectRef idx="0">
+            <a:schemeClr val="accent1"/>
+          </a:effectRef>
+          <a:fontRef idx="minor">
+            <a:schemeClr val="tx1"/>
+          </a:fontRef>
+        </p:style>
+      </p:cxnSp>
+      <p:cxnSp>
+        <p:nvCxnSpPr>
+          <p:cNvPr id="234" name="직선 화살표 연결선 233"/>
+          <p:cNvCxnSpPr/>
+          <p:nvPr/>
+        </p:nvCxnSpPr>
+        <p:spPr>
+          <a:xfrm>
+            <a:off x="6396232" y="1279991"/>
+            <a:ext cx="0" cy="144016"/>
+          </a:xfrm>
+          <a:prstGeom prst="straightConnector1">
+            <a:avLst/>
+          </a:prstGeom>
+          <a:ln>
+            <a:headEnd w="sm" len="sm"/>
+            <a:tailEnd type="arrow" w="sm" len="sm"/>
+          </a:ln>
+        </p:spPr>
+        <p:style>
+          <a:lnRef idx="1">
+            <a:schemeClr val="accent1"/>
+          </a:lnRef>
+          <a:fillRef idx="0">
+            <a:schemeClr val="accent1"/>
+          </a:fillRef>
+          <a:effectRef idx="0">
+            <a:schemeClr val="accent1"/>
+          </a:effectRef>
+          <a:fontRef idx="minor">
+            <a:schemeClr val="tx1"/>
+          </a:fontRef>
+        </p:style>
+      </p:cxnSp>
+      <p:cxnSp>
+        <p:nvCxnSpPr>
+          <p:cNvPr id="235" name="직선 화살표 연결선 234"/>
+          <p:cNvCxnSpPr/>
+          <p:nvPr/>
+        </p:nvCxnSpPr>
+        <p:spPr>
+          <a:xfrm>
+            <a:off x="6484282" y="1279991"/>
+            <a:ext cx="0" cy="144016"/>
+          </a:xfrm>
+          <a:prstGeom prst="straightConnector1">
+            <a:avLst/>
+          </a:prstGeom>
+          <a:ln>
+            <a:headEnd w="sm" len="sm"/>
+            <a:tailEnd type="arrow" w="sm" len="sm"/>
+          </a:ln>
+        </p:spPr>
+        <p:style>
+          <a:lnRef idx="1">
+            <a:schemeClr val="accent1"/>
+          </a:lnRef>
+          <a:fillRef idx="0">
+            <a:schemeClr val="accent1"/>
+          </a:fillRef>
+          <a:effectRef idx="0">
+            <a:schemeClr val="accent1"/>
+          </a:effectRef>
+          <a:fontRef idx="minor">
+            <a:schemeClr val="tx1"/>
+          </a:fontRef>
+        </p:style>
+      </p:cxnSp>
+      <p:cxnSp>
+        <p:nvCxnSpPr>
+          <p:cNvPr id="236" name="직선 화살표 연결선 235"/>
+          <p:cNvCxnSpPr/>
+          <p:nvPr/>
+        </p:nvCxnSpPr>
+        <p:spPr>
+          <a:xfrm>
+            <a:off x="6572332" y="1279991"/>
+            <a:ext cx="0" cy="144016"/>
+          </a:xfrm>
+          <a:prstGeom prst="straightConnector1">
+            <a:avLst/>
+          </a:prstGeom>
+          <a:ln>
+            <a:headEnd w="sm" len="sm"/>
+            <a:tailEnd type="arrow" w="sm" len="sm"/>
+          </a:ln>
+        </p:spPr>
+        <p:style>
+          <a:lnRef idx="1">
+            <a:schemeClr val="accent1"/>
+          </a:lnRef>
+          <a:fillRef idx="0">
+            <a:schemeClr val="accent1"/>
+          </a:fillRef>
+          <a:effectRef idx="0">
+            <a:schemeClr val="accent1"/>
+          </a:effectRef>
+          <a:fontRef idx="minor">
+            <a:schemeClr val="tx1"/>
+          </a:fontRef>
+        </p:style>
+      </p:cxnSp>
+      <p:cxnSp>
+        <p:nvCxnSpPr>
+          <p:cNvPr id="237" name="직선 화살표 연결선 236"/>
+          <p:cNvCxnSpPr/>
+          <p:nvPr/>
+        </p:nvCxnSpPr>
+        <p:spPr>
+          <a:xfrm>
+            <a:off x="6660382" y="1279991"/>
+            <a:ext cx="0" cy="144016"/>
+          </a:xfrm>
+          <a:prstGeom prst="straightConnector1">
+            <a:avLst/>
+          </a:prstGeom>
+          <a:ln>
+            <a:headEnd w="sm" len="sm"/>
+            <a:tailEnd type="arrow" w="sm" len="sm"/>
+          </a:ln>
+        </p:spPr>
+        <p:style>
+          <a:lnRef idx="1">
+            <a:schemeClr val="accent1"/>
+          </a:lnRef>
+          <a:fillRef idx="0">
+            <a:schemeClr val="accent1"/>
+          </a:fillRef>
+          <a:effectRef idx="0">
+            <a:schemeClr val="accent1"/>
+          </a:effectRef>
+          <a:fontRef idx="minor">
+            <a:schemeClr val="tx1"/>
+          </a:fontRef>
+        </p:style>
+      </p:cxnSp>
+      <p:cxnSp>
+        <p:nvCxnSpPr>
+          <p:cNvPr id="238" name="직선 화살표 연결선 237"/>
+          <p:cNvCxnSpPr/>
+          <p:nvPr/>
+        </p:nvCxnSpPr>
+        <p:spPr>
+          <a:xfrm>
+            <a:off x="6748432" y="1279991"/>
+            <a:ext cx="0" cy="144016"/>
+          </a:xfrm>
+          <a:prstGeom prst="straightConnector1">
+            <a:avLst/>
+          </a:prstGeom>
+          <a:ln>
+            <a:headEnd w="sm" len="sm"/>
+            <a:tailEnd type="arrow" w="sm" len="sm"/>
+          </a:ln>
+        </p:spPr>
+        <p:style>
+          <a:lnRef idx="1">
+            <a:schemeClr val="accent1"/>
+          </a:lnRef>
+          <a:fillRef idx="0">
+            <a:schemeClr val="accent1"/>
+          </a:fillRef>
+          <a:effectRef idx="0">
+            <a:schemeClr val="accent1"/>
+          </a:effectRef>
+          <a:fontRef idx="minor">
+            <a:schemeClr val="tx1"/>
+          </a:fontRef>
+        </p:style>
+      </p:cxnSp>
+      <p:cxnSp>
+        <p:nvCxnSpPr>
+          <p:cNvPr id="239" name="직선 화살표 연결선 238"/>
+          <p:cNvCxnSpPr/>
+          <p:nvPr/>
+        </p:nvCxnSpPr>
+        <p:spPr>
+          <a:xfrm>
+            <a:off x="6836482" y="1279991"/>
+            <a:ext cx="0" cy="144016"/>
+          </a:xfrm>
+          <a:prstGeom prst="straightConnector1">
+            <a:avLst/>
+          </a:prstGeom>
+          <a:ln>
+            <a:headEnd w="sm" len="sm"/>
+            <a:tailEnd type="arrow" w="sm" len="sm"/>
+          </a:ln>
+        </p:spPr>
+        <p:style>
+          <a:lnRef idx="1">
+            <a:schemeClr val="accent1"/>
+          </a:lnRef>
+          <a:fillRef idx="0">
+            <a:schemeClr val="accent1"/>
+          </a:fillRef>
+          <a:effectRef idx="0">
+            <a:schemeClr val="accent1"/>
+          </a:effectRef>
+          <a:fontRef idx="minor">
+            <a:schemeClr val="tx1"/>
+          </a:fontRef>
+        </p:style>
+      </p:cxnSp>
+      <p:cxnSp>
+        <p:nvCxnSpPr>
+          <p:cNvPr id="240" name="직선 화살표 연결선 239"/>
+          <p:cNvCxnSpPr/>
+          <p:nvPr/>
+        </p:nvCxnSpPr>
+        <p:spPr>
+          <a:xfrm>
+            <a:off x="6924532" y="1279991"/>
+            <a:ext cx="0" cy="144016"/>
+          </a:xfrm>
+          <a:prstGeom prst="straightConnector1">
+            <a:avLst/>
+          </a:prstGeom>
+          <a:ln>
+            <a:headEnd w="sm" len="sm"/>
+            <a:tailEnd type="arrow" w="sm" len="sm"/>
+          </a:ln>
+        </p:spPr>
+        <p:style>
+          <a:lnRef idx="1">
+            <a:schemeClr val="accent1"/>
+          </a:lnRef>
+          <a:fillRef idx="0">
+            <a:schemeClr val="accent1"/>
+          </a:fillRef>
+          <a:effectRef idx="0">
+            <a:schemeClr val="accent1"/>
+          </a:effectRef>
+          <a:fontRef idx="minor">
+            <a:schemeClr val="tx1"/>
+          </a:fontRef>
+        </p:style>
+      </p:cxnSp>
+      <p:cxnSp>
+        <p:nvCxnSpPr>
+          <p:cNvPr id="241" name="직선 화살표 연결선 240"/>
+          <p:cNvCxnSpPr/>
+          <p:nvPr/>
+        </p:nvCxnSpPr>
+        <p:spPr>
+          <a:xfrm>
+            <a:off x="7012582" y="1279991"/>
+            <a:ext cx="0" cy="144016"/>
+          </a:xfrm>
+          <a:prstGeom prst="straightConnector1">
+            <a:avLst/>
+          </a:prstGeom>
+          <a:ln>
+            <a:headEnd w="sm" len="sm"/>
+            <a:tailEnd type="arrow" w="sm" len="sm"/>
+          </a:ln>
+        </p:spPr>
+        <p:style>
+          <a:lnRef idx="1">
+            <a:schemeClr val="accent1"/>
+          </a:lnRef>
+          <a:fillRef idx="0">
+            <a:schemeClr val="accent1"/>
+          </a:fillRef>
+          <a:effectRef idx="0">
+            <a:schemeClr val="accent1"/>
+          </a:effectRef>
+          <a:fontRef idx="minor">
+            <a:schemeClr val="tx1"/>
+          </a:fontRef>
+        </p:style>
+      </p:cxnSp>
+      <p:cxnSp>
+        <p:nvCxnSpPr>
+          <p:cNvPr id="242" name="직선 화살표 연결선 241"/>
+          <p:cNvCxnSpPr/>
+          <p:nvPr/>
+        </p:nvCxnSpPr>
+        <p:spPr>
+          <a:xfrm>
+            <a:off x="7100632" y="1279991"/>
+            <a:ext cx="0" cy="144016"/>
+          </a:xfrm>
+          <a:prstGeom prst="straightConnector1">
+            <a:avLst/>
+          </a:prstGeom>
+          <a:ln>
+            <a:headEnd w="sm" len="sm"/>
+            <a:tailEnd type="arrow" w="sm" len="sm"/>
+          </a:ln>
+        </p:spPr>
+        <p:style>
+          <a:lnRef idx="1">
+            <a:schemeClr val="accent1"/>
+          </a:lnRef>
+          <a:fillRef idx="0">
+            <a:schemeClr val="accent1"/>
+          </a:fillRef>
+          <a:effectRef idx="0">
+            <a:schemeClr val="accent1"/>
+          </a:effectRef>
+          <a:fontRef idx="minor">
+            <a:schemeClr val="tx1"/>
+          </a:fontRef>
+        </p:style>
+      </p:cxnSp>
+      <p:cxnSp>
+        <p:nvCxnSpPr>
+          <p:cNvPr id="243" name="직선 화살표 연결선 242"/>
+          <p:cNvCxnSpPr/>
+          <p:nvPr/>
+        </p:nvCxnSpPr>
+        <p:spPr>
+          <a:xfrm>
+            <a:off x="7188682" y="1279991"/>
+            <a:ext cx="0" cy="144016"/>
+          </a:xfrm>
+          <a:prstGeom prst="straightConnector1">
+            <a:avLst/>
+          </a:prstGeom>
+          <a:ln>
+            <a:headEnd w="sm" len="sm"/>
+            <a:tailEnd type="arrow" w="sm" len="sm"/>
+          </a:ln>
+        </p:spPr>
+        <p:style>
+          <a:lnRef idx="1">
+            <a:schemeClr val="accent1"/>
+          </a:lnRef>
+          <a:fillRef idx="0">
+            <a:schemeClr val="accent1"/>
+          </a:fillRef>
+          <a:effectRef idx="0">
+            <a:schemeClr val="accent1"/>
+          </a:effectRef>
+          <a:fontRef idx="minor">
+            <a:schemeClr val="tx1"/>
+          </a:fontRef>
+        </p:style>
+      </p:cxnSp>
+      <p:cxnSp>
+        <p:nvCxnSpPr>
+          <p:cNvPr id="244" name="직선 화살표 연결선 243"/>
+          <p:cNvCxnSpPr/>
+          <p:nvPr/>
+        </p:nvCxnSpPr>
+        <p:spPr>
+          <a:xfrm>
+            <a:off x="7276732" y="1279991"/>
+            <a:ext cx="0" cy="144016"/>
+          </a:xfrm>
+          <a:prstGeom prst="straightConnector1">
+            <a:avLst/>
+          </a:prstGeom>
+          <a:ln>
+            <a:headEnd w="sm" len="sm"/>
+            <a:tailEnd type="arrow" w="sm" len="sm"/>
+          </a:ln>
+        </p:spPr>
+        <p:style>
+          <a:lnRef idx="1">
+            <a:schemeClr val="accent1"/>
+          </a:lnRef>
+          <a:fillRef idx="0">
+            <a:schemeClr val="accent1"/>
+          </a:fillRef>
+          <a:effectRef idx="0">
+            <a:schemeClr val="accent1"/>
+          </a:effectRef>
+          <a:fontRef idx="minor">
+            <a:schemeClr val="tx1"/>
+          </a:fontRef>
+        </p:style>
+      </p:cxnSp>
+      <p:cxnSp>
+        <p:nvCxnSpPr>
+          <p:cNvPr id="245" name="직선 화살표 연결선 244"/>
+          <p:cNvCxnSpPr/>
+          <p:nvPr/>
+        </p:nvCxnSpPr>
+        <p:spPr>
+          <a:xfrm>
+            <a:off x="7364782" y="1279991"/>
+            <a:ext cx="0" cy="144016"/>
+          </a:xfrm>
+          <a:prstGeom prst="straightConnector1">
+            <a:avLst/>
+          </a:prstGeom>
+          <a:ln>
+            <a:headEnd w="sm" len="sm"/>
+            <a:tailEnd type="arrow" w="sm" len="sm"/>
+          </a:ln>
+        </p:spPr>
+        <p:style>
+          <a:lnRef idx="1">
+            <a:schemeClr val="accent1"/>
+          </a:lnRef>
+          <a:fillRef idx="0">
+            <a:schemeClr val="accent1"/>
+          </a:fillRef>
+          <a:effectRef idx="0">
+            <a:schemeClr val="accent1"/>
+          </a:effectRef>
+          <a:fontRef idx="minor">
+            <a:schemeClr val="tx1"/>
+          </a:fontRef>
+        </p:style>
+      </p:cxnSp>
+      <p:cxnSp>
+        <p:nvCxnSpPr>
+          <p:cNvPr id="246" name="직선 화살표 연결선 245"/>
+          <p:cNvCxnSpPr/>
+          <p:nvPr/>
+        </p:nvCxnSpPr>
+        <p:spPr>
+          <a:xfrm>
+            <a:off x="7452832" y="1279991"/>
+            <a:ext cx="0" cy="144016"/>
+          </a:xfrm>
+          <a:prstGeom prst="straightConnector1">
+            <a:avLst/>
+          </a:prstGeom>
+          <a:ln>
+            <a:headEnd w="sm" len="sm"/>
+            <a:tailEnd type="arrow" w="sm" len="sm"/>
+          </a:ln>
+        </p:spPr>
+        <p:style>
+          <a:lnRef idx="1">
+            <a:schemeClr val="accent1"/>
+          </a:lnRef>
+          <a:fillRef idx="0">
+            <a:schemeClr val="accent1"/>
+          </a:fillRef>
+          <a:effectRef idx="0">
+            <a:schemeClr val="accent1"/>
+          </a:effectRef>
+          <a:fontRef idx="minor">
+            <a:schemeClr val="tx1"/>
+          </a:fontRef>
+        </p:style>
+      </p:cxnSp>
+      <p:cxnSp>
+        <p:nvCxnSpPr>
+          <p:cNvPr id="247" name="직선 화살표 연결선 246"/>
+          <p:cNvCxnSpPr/>
+          <p:nvPr/>
+        </p:nvCxnSpPr>
+        <p:spPr>
+          <a:xfrm>
+            <a:off x="7540882" y="1279991"/>
+            <a:ext cx="0" cy="144016"/>
+          </a:xfrm>
+          <a:prstGeom prst="straightConnector1">
+            <a:avLst/>
+          </a:prstGeom>
+          <a:ln>
+            <a:headEnd w="sm" len="sm"/>
+            <a:tailEnd type="arrow" w="sm" len="sm"/>
+          </a:ln>
+        </p:spPr>
+        <p:style>
+          <a:lnRef idx="1">
+            <a:schemeClr val="accent1"/>
+          </a:lnRef>
+          <a:fillRef idx="0">
+            <a:schemeClr val="accent1"/>
+          </a:fillRef>
+          <a:effectRef idx="0">
+            <a:schemeClr val="accent1"/>
+          </a:effectRef>
+          <a:fontRef idx="minor">
+            <a:schemeClr val="tx1"/>
+          </a:fontRef>
+        </p:style>
+      </p:cxnSp>
+      <p:cxnSp>
+        <p:nvCxnSpPr>
+          <p:cNvPr id="248" name="직선 화살표 연결선 247"/>
+          <p:cNvCxnSpPr/>
+          <p:nvPr/>
+        </p:nvCxnSpPr>
+        <p:spPr>
+          <a:xfrm>
+            <a:off x="7628932" y="1279991"/>
+            <a:ext cx="0" cy="144016"/>
+          </a:xfrm>
+          <a:prstGeom prst="straightConnector1">
+            <a:avLst/>
+          </a:prstGeom>
+          <a:ln>
+            <a:headEnd w="sm" len="sm"/>
+            <a:tailEnd type="arrow" w="sm" len="sm"/>
+          </a:ln>
+        </p:spPr>
+        <p:style>
+          <a:lnRef idx="1">
+            <a:schemeClr val="accent1"/>
+          </a:lnRef>
+          <a:fillRef idx="0">
+            <a:schemeClr val="accent1"/>
+          </a:fillRef>
+          <a:effectRef idx="0">
+            <a:schemeClr val="accent1"/>
+          </a:effectRef>
+          <a:fontRef idx="minor">
+            <a:schemeClr val="tx1"/>
+          </a:fontRef>
+        </p:style>
+      </p:cxnSp>
+      <p:cxnSp>
+        <p:nvCxnSpPr>
+          <p:cNvPr id="249" name="직선 화살표 연결선 248"/>
+          <p:cNvCxnSpPr/>
+          <p:nvPr/>
+        </p:nvCxnSpPr>
+        <p:spPr>
+          <a:xfrm>
+            <a:off x="7716982" y="1279991"/>
+            <a:ext cx="0" cy="144016"/>
+          </a:xfrm>
+          <a:prstGeom prst="straightConnector1">
+            <a:avLst/>
+          </a:prstGeom>
+          <a:ln>
+            <a:headEnd w="sm" len="sm"/>
+            <a:tailEnd type="arrow" w="sm" len="sm"/>
+          </a:ln>
+        </p:spPr>
+        <p:style>
+          <a:lnRef idx="1">
+            <a:schemeClr val="accent1"/>
+          </a:lnRef>
+          <a:fillRef idx="0">
+            <a:schemeClr val="accent1"/>
+          </a:fillRef>
+          <a:effectRef idx="0">
+            <a:schemeClr val="accent1"/>
+          </a:effectRef>
+          <a:fontRef idx="minor">
+            <a:schemeClr val="tx1"/>
+          </a:fontRef>
+        </p:style>
+      </p:cxnSp>
+      <p:cxnSp>
+        <p:nvCxnSpPr>
+          <p:cNvPr id="250" name="직선 화살표 연결선 249"/>
+          <p:cNvCxnSpPr/>
+          <p:nvPr/>
+        </p:nvCxnSpPr>
+        <p:spPr>
+          <a:xfrm>
+            <a:off x="7805032" y="1279991"/>
+            <a:ext cx="0" cy="144016"/>
+          </a:xfrm>
+          <a:prstGeom prst="straightConnector1">
+            <a:avLst/>
+          </a:prstGeom>
+          <a:ln>
+            <a:headEnd w="sm" len="sm"/>
+            <a:tailEnd type="arrow" w="sm" len="sm"/>
+          </a:ln>
+        </p:spPr>
+        <p:style>
+          <a:lnRef idx="1">
+            <a:schemeClr val="accent1"/>
+          </a:lnRef>
+          <a:fillRef idx="0">
+            <a:schemeClr val="accent1"/>
+          </a:fillRef>
+          <a:effectRef idx="0">
+            <a:schemeClr val="accent1"/>
+          </a:effectRef>
+          <a:fontRef idx="minor">
+            <a:schemeClr val="tx1"/>
+          </a:fontRef>
+        </p:style>
+      </p:cxnSp>
+      <p:cxnSp>
+        <p:nvCxnSpPr>
+          <p:cNvPr id="251" name="직선 화살표 연결선 250"/>
+          <p:cNvCxnSpPr/>
+          <p:nvPr/>
+        </p:nvCxnSpPr>
+        <p:spPr>
+          <a:xfrm>
+            <a:off x="7893082" y="1279991"/>
+            <a:ext cx="0" cy="144016"/>
+          </a:xfrm>
+          <a:prstGeom prst="straightConnector1">
+            <a:avLst/>
+          </a:prstGeom>
+          <a:ln>
+            <a:headEnd w="sm" len="sm"/>
+            <a:tailEnd type="arrow" w="sm" len="sm"/>
+          </a:ln>
+        </p:spPr>
+        <p:style>
+          <a:lnRef idx="1">
+            <a:schemeClr val="accent1"/>
+          </a:lnRef>
+          <a:fillRef idx="0">
+            <a:schemeClr val="accent1"/>
+          </a:fillRef>
+          <a:effectRef idx="0">
+            <a:schemeClr val="accent1"/>
+          </a:effectRef>
+          <a:fontRef idx="minor">
+            <a:schemeClr val="tx1"/>
+          </a:fontRef>
+        </p:style>
+      </p:cxnSp>
+      <p:cxnSp>
+        <p:nvCxnSpPr>
+          <p:cNvPr id="252" name="직선 화살표 연결선 251"/>
+          <p:cNvCxnSpPr/>
+          <p:nvPr/>
+        </p:nvCxnSpPr>
+        <p:spPr>
+          <a:xfrm>
+            <a:off x="7981132" y="1279991"/>
+            <a:ext cx="0" cy="144016"/>
+          </a:xfrm>
+          <a:prstGeom prst="straightConnector1">
+            <a:avLst/>
+          </a:prstGeom>
+          <a:ln>
+            <a:headEnd w="sm" len="sm"/>
+            <a:tailEnd type="arrow" w="sm" len="sm"/>
+          </a:ln>
+        </p:spPr>
+        <p:style>
+          <a:lnRef idx="1">
+            <a:schemeClr val="accent1"/>
+          </a:lnRef>
+          <a:fillRef idx="0">
+            <a:schemeClr val="accent1"/>
+          </a:fillRef>
+          <a:effectRef idx="0">
+            <a:schemeClr val="accent1"/>
+          </a:effectRef>
+          <a:fontRef idx="minor">
+            <a:schemeClr val="tx1"/>
+          </a:fontRef>
+        </p:style>
+      </p:cxnSp>
+      <p:cxnSp>
+        <p:nvCxnSpPr>
+          <p:cNvPr id="253" name="직선 화살표 연결선 252"/>
+          <p:cNvCxnSpPr/>
+          <p:nvPr/>
+        </p:nvCxnSpPr>
+        <p:spPr>
+          <a:xfrm>
+            <a:off x="8069182" y="1279991"/>
+            <a:ext cx="0" cy="144016"/>
+          </a:xfrm>
+          <a:prstGeom prst="straightConnector1">
+            <a:avLst/>
+          </a:prstGeom>
+          <a:ln>
+            <a:headEnd w="sm" len="sm"/>
+            <a:tailEnd type="arrow" w="sm" len="sm"/>
+          </a:ln>
+        </p:spPr>
+        <p:style>
+          <a:lnRef idx="1">
+            <a:schemeClr val="accent1"/>
+          </a:lnRef>
+          <a:fillRef idx="0">
+            <a:schemeClr val="accent1"/>
+          </a:fillRef>
+          <a:effectRef idx="0">
+            <a:schemeClr val="accent1"/>
+          </a:effectRef>
+          <a:fontRef idx="minor">
+            <a:schemeClr val="tx1"/>
+          </a:fontRef>
+        </p:style>
+      </p:cxnSp>
       <p:sp>
         <p:nvSpPr>
-          <p:cNvPr id="2" name="제목 1"/>
-          <p:cNvSpPr>
-            <a:spLocks noGrp="1"/>
-          </p:cNvSpPr>
-          <p:nvPr>
-            <p:ph type="title"/>
-          </p:nvPr>
+          <p:cNvPr id="254" name="TextBox 253"/>
+          <p:cNvSpPr txBox="1"/>
+          <p:nvPr/>
         </p:nvSpPr>
-        <p:spPr/>
+        <p:spPr>
+          <a:xfrm>
+            <a:off x="179512" y="1213499"/>
+            <a:ext cx="800219" cy="276999"/>
+          </a:xfrm>
+          <a:prstGeom prst="rect">
+            <a:avLst/>
+          </a:prstGeom>
+          <a:noFill/>
+        </p:spPr>
         <p:txBody>
-          <a:bodyPr/>
+          <a:bodyPr wrap="none" rtlCol="0">
+            <a:spAutoFit/>
+          </a:bodyPr>
           <a:lstStyle/>
           <a:p>
-            <a:endParaRPr lang="ko-KR" altLang="en-US"/>
+            <a:r>
+              <a:rPr lang="ko-KR" altLang="en-US" sz="1200" dirty="0" smtClean="0"/>
+              <a:t>시간체크</a:t>
+            </a:r>
+            <a:endParaRPr lang="en-US" altLang="ko-KR" sz="1200" dirty="0" smtClean="0"/>
+          </a:p>
+        </p:txBody>
+      </p:sp>
+      <p:pic>
+        <p:nvPicPr>
+          <p:cNvPr id="1026" name="Picture 2"/>
+          <p:cNvPicPr>
+            <a:picLocks noChangeAspect="1" noChangeArrowheads="1"/>
+          </p:cNvPicPr>
+          <p:nvPr/>
+        </p:nvPicPr>
+        <p:blipFill>
+          <a:blip r:embed="rId2">
+            <a:extLst>
+              <a:ext uri="{28A0092B-C50C-407E-A947-70E740481C1C}">
+                <a14:useLocalDpi xmlns:a14="http://schemas.microsoft.com/office/drawing/2010/main" val="0"/>
+              </a:ext>
+            </a:extLst>
+          </a:blip>
+          <a:srcRect/>
+          <a:stretch>
+            <a:fillRect/>
+          </a:stretch>
+        </p:blipFill>
+        <p:spPr bwMode="auto">
+          <a:xfrm>
+            <a:off x="5603782" y="2144087"/>
+            <a:ext cx="3091271" cy="1932985"/>
+          </a:xfrm>
+          <a:prstGeom prst="rect">
+            <a:avLst/>
+          </a:prstGeom>
+          <a:noFill/>
+          <a:ln>
+            <a:noFill/>
+          </a:ln>
+          <a:extLst>
+            <a:ext uri="{909E8E84-426E-40DD-AFC4-6F175D3DCCD1}">
+              <a14:hiddenFill xmlns:a14="http://schemas.microsoft.com/office/drawing/2010/main">
+                <a:solidFill>
+                  <a:schemeClr val="accent1"/>
+                </a:solidFill>
+              </a14:hiddenFill>
+            </a:ext>
+            <a:ext uri="{91240B29-F687-4F45-9708-019B960494DF}">
+              <a14:hiddenLine xmlns:a14="http://schemas.microsoft.com/office/drawing/2010/main" w="9525">
+                <a:solidFill>
+                  <a:schemeClr val="tx1"/>
+                </a:solidFill>
+                <a:miter lim="800000"/>
+                <a:headEnd/>
+                <a:tailEnd/>
+              </a14:hiddenLine>
+            </a:ext>
+          </a:extLst>
+        </p:spPr>
+      </p:pic>
+      <p:sp>
+        <p:nvSpPr>
+          <p:cNvPr id="255" name="TextBox 254"/>
+          <p:cNvSpPr txBox="1"/>
+          <p:nvPr/>
+        </p:nvSpPr>
+        <p:spPr>
+          <a:xfrm>
+            <a:off x="7628932" y="2177060"/>
+            <a:ext cx="1502334" cy="246221"/>
+          </a:xfrm>
+          <a:prstGeom prst="rect">
+            <a:avLst/>
+          </a:prstGeom>
+          <a:solidFill>
+            <a:schemeClr val="bg1">
+              <a:lumMod val="95000"/>
+            </a:schemeClr>
+          </a:solidFill>
+        </p:spPr>
+        <p:txBody>
+          <a:bodyPr wrap="none" rtlCol="0">
+            <a:spAutoFit/>
+          </a:bodyPr>
+          <a:lstStyle/>
+          <a:p>
+            <a:r>
+              <a:rPr lang="ko-KR" altLang="en-US" sz="1000" dirty="0" smtClean="0"/>
+              <a:t>시간간격 </a:t>
+            </a:r>
+            <a:r>
+              <a:rPr lang="en-US" altLang="ko-KR" sz="1000" dirty="0" smtClean="0"/>
+              <a:t>: </a:t>
+            </a:r>
+            <a:r>
+              <a:rPr lang="ko-KR" altLang="en-US" sz="1000" dirty="0" smtClean="0"/>
+              <a:t>속도를 결정</a:t>
+            </a:r>
+            <a:endParaRPr lang="ko-KR" altLang="en-US" sz="1000" dirty="0"/>
+          </a:p>
+        </p:txBody>
+      </p:sp>
+      <p:cxnSp>
+        <p:nvCxnSpPr>
+          <p:cNvPr id="1025" name="직선 화살표 연결선 1024"/>
+          <p:cNvCxnSpPr/>
+          <p:nvPr/>
+        </p:nvCxnSpPr>
+        <p:spPr>
+          <a:xfrm flipH="1">
+            <a:off x="8225982" y="2390308"/>
+            <a:ext cx="227250" cy="185827"/>
+          </a:xfrm>
+          <a:prstGeom prst="straightConnector1">
+            <a:avLst/>
+          </a:prstGeom>
+          <a:ln>
+            <a:tailEnd type="arrow"/>
+          </a:ln>
+        </p:spPr>
+        <p:style>
+          <a:lnRef idx="1">
+            <a:schemeClr val="accent1"/>
+          </a:lnRef>
+          <a:fillRef idx="0">
+            <a:schemeClr val="accent1"/>
+          </a:fillRef>
+          <a:effectRef idx="0">
+            <a:schemeClr val="accent1"/>
+          </a:effectRef>
+          <a:fontRef idx="minor">
+            <a:schemeClr val="tx1"/>
+          </a:fontRef>
+        </p:style>
+      </p:cxnSp>
+      <p:cxnSp>
+        <p:nvCxnSpPr>
+          <p:cNvPr id="1028" name="직선 화살표 연결선 1027"/>
+          <p:cNvCxnSpPr/>
+          <p:nvPr/>
+        </p:nvCxnSpPr>
+        <p:spPr>
+          <a:xfrm flipH="1">
+            <a:off x="8104419" y="2390308"/>
+            <a:ext cx="481603" cy="833899"/>
+          </a:xfrm>
+          <a:prstGeom prst="straightConnector1">
+            <a:avLst/>
+          </a:prstGeom>
+          <a:ln>
+            <a:tailEnd type="arrow"/>
+          </a:ln>
+        </p:spPr>
+        <p:style>
+          <a:lnRef idx="1">
+            <a:schemeClr val="accent1"/>
+          </a:lnRef>
+          <a:fillRef idx="0">
+            <a:schemeClr val="accent1"/>
+          </a:fillRef>
+          <a:effectRef idx="0">
+            <a:schemeClr val="accent1"/>
+          </a:effectRef>
+          <a:fontRef idx="minor">
+            <a:schemeClr val="tx1"/>
+          </a:fontRef>
+        </p:style>
+      </p:cxnSp>
+      <p:sp>
+        <p:nvSpPr>
+          <p:cNvPr id="1029" name="TextBox 1028"/>
+          <p:cNvSpPr txBox="1"/>
+          <p:nvPr/>
+        </p:nvSpPr>
+        <p:spPr>
+          <a:xfrm>
+            <a:off x="179512" y="404664"/>
+            <a:ext cx="8372805" cy="646331"/>
+          </a:xfrm>
+          <a:prstGeom prst="rect">
+            <a:avLst/>
+          </a:prstGeom>
+          <a:noFill/>
+        </p:spPr>
+        <p:txBody>
+          <a:bodyPr wrap="none" rtlCol="0">
+            <a:spAutoFit/>
+          </a:bodyPr>
+          <a:lstStyle/>
+          <a:p>
+            <a:r>
+              <a:rPr lang="ko-KR" altLang="en-US" dirty="0" err="1" smtClean="0"/>
+              <a:t>ㅁ</a:t>
+            </a:r>
+            <a:r>
+              <a:rPr lang="ko-KR" altLang="en-US" dirty="0" smtClean="0"/>
+              <a:t> </a:t>
+            </a:r>
+            <a:r>
+              <a:rPr lang="ko-KR" altLang="en-US" dirty="0" err="1" smtClean="0"/>
+              <a:t>폴링</a:t>
+            </a:r>
+            <a:r>
+              <a:rPr lang="ko-KR" altLang="en-US" dirty="0" smtClean="0"/>
+              <a:t> 방식 </a:t>
+            </a:r>
+            <a:r>
+              <a:rPr lang="en-US" altLang="ko-KR" dirty="0" smtClean="0"/>
+              <a:t>: </a:t>
+            </a:r>
+            <a:r>
+              <a:rPr lang="ko-KR" altLang="en-US" dirty="0" smtClean="0"/>
+              <a:t>원하는 시간보다 짧은 간격으로 계속 경과 시간을 측정하여 동작</a:t>
+            </a:r>
+            <a:endParaRPr lang="en-US" altLang="ko-KR" dirty="0" smtClean="0"/>
+          </a:p>
+          <a:p>
+            <a:r>
+              <a:rPr lang="en-US" altLang="ko-KR" dirty="0" smtClean="0"/>
+              <a:t>                   </a:t>
+            </a:r>
+            <a:r>
+              <a:rPr lang="ko-KR" altLang="en-US" dirty="0" smtClean="0"/>
+              <a:t>시간이 긴 작업을 수행하면 정확한 제어가 불가</a:t>
+            </a:r>
+            <a:r>
+              <a:rPr lang="ko-KR" altLang="en-US" dirty="0"/>
+              <a:t>능</a:t>
+            </a:r>
+            <a:endParaRPr lang="en-US" altLang="ko-KR" dirty="0"/>
           </a:p>
         </p:txBody>
       </p:sp>
       <p:sp>
         <p:nvSpPr>
-          <p:cNvPr id="3" name="내용 개체 틀 2"/>
-          <p:cNvSpPr>
-            <a:spLocks noGrp="1"/>
-          </p:cNvSpPr>
-          <p:nvPr>
-            <p:ph idx="1"/>
-          </p:nvPr>
+          <p:cNvPr id="266" name="TextBox 265"/>
+          <p:cNvSpPr txBox="1"/>
+          <p:nvPr/>
         </p:nvSpPr>
-        <p:spPr/>
+        <p:spPr>
+          <a:xfrm>
+            <a:off x="240294" y="4067780"/>
+            <a:ext cx="7773282" cy="646331"/>
+          </a:xfrm>
+          <a:prstGeom prst="rect">
+            <a:avLst/>
+          </a:prstGeom>
+          <a:noFill/>
+        </p:spPr>
         <p:txBody>
-          <a:bodyPr/>
+          <a:bodyPr wrap="none" rtlCol="0">
+            <a:spAutoFit/>
+          </a:bodyPr>
           <a:lstStyle/>
           <a:p>
-            <a:endParaRPr lang="ko-KR" altLang="en-US"/>
+            <a:r>
+              <a:rPr lang="ko-KR" altLang="en-US" dirty="0" err="1" smtClean="0"/>
+              <a:t>ㅁ</a:t>
+            </a:r>
+            <a:r>
+              <a:rPr lang="ko-KR" altLang="en-US" dirty="0" smtClean="0"/>
+              <a:t> 인터럽트 </a:t>
+            </a:r>
+            <a:r>
+              <a:rPr lang="en-US" altLang="ko-KR" dirty="0" smtClean="0"/>
+              <a:t>: </a:t>
+            </a:r>
+            <a:r>
+              <a:rPr lang="en-US" altLang="ko-KR" dirty="0" err="1" smtClean="0"/>
+              <a:t>Micom</a:t>
+            </a:r>
+            <a:r>
+              <a:rPr lang="ko-KR" altLang="en-US" dirty="0"/>
+              <a:t> </a:t>
+            </a:r>
+            <a:r>
+              <a:rPr lang="ko-KR" altLang="en-US" dirty="0" smtClean="0"/>
+              <a:t>내부 타이머를 사용하여 정해진 시간 간격으로 동작</a:t>
+            </a:r>
+            <a:endParaRPr lang="en-US" altLang="ko-KR" dirty="0" smtClean="0"/>
+          </a:p>
+          <a:p>
+            <a:r>
+              <a:rPr lang="en-US" altLang="ko-KR" dirty="0"/>
+              <a:t> </a:t>
+            </a:r>
+            <a:r>
+              <a:rPr lang="en-US" altLang="ko-KR" dirty="0" smtClean="0"/>
+              <a:t>                 </a:t>
+            </a:r>
+            <a:r>
+              <a:rPr lang="ko-KR" altLang="en-US" dirty="0" smtClean="0"/>
+              <a:t>시간이 긴 </a:t>
+            </a:r>
+            <a:r>
+              <a:rPr lang="ko-KR" altLang="en-US" dirty="0" err="1" smtClean="0"/>
+              <a:t>작업중에도</a:t>
+            </a:r>
+            <a:r>
+              <a:rPr lang="ko-KR" altLang="en-US" dirty="0" smtClean="0"/>
+              <a:t> 인터럽트에 의해서 동작이 가능</a:t>
+            </a:r>
+            <a:endParaRPr lang="en-US" altLang="ko-KR" dirty="0"/>
           </a:p>
         </p:txBody>
       </p:sp>
+      <p:grpSp>
+        <p:nvGrpSpPr>
+          <p:cNvPr id="267" name="그룹 266"/>
+          <p:cNvGrpSpPr/>
+          <p:nvPr/>
+        </p:nvGrpSpPr>
+        <p:grpSpPr>
+          <a:xfrm>
+            <a:off x="1115616" y="5877272"/>
+            <a:ext cx="258404" cy="432048"/>
+            <a:chOff x="755576" y="548680"/>
+            <a:chExt cx="258404" cy="432048"/>
+          </a:xfrm>
+        </p:grpSpPr>
+        <p:cxnSp>
+          <p:nvCxnSpPr>
+            <p:cNvPr id="268" name="직선 화살표 연결선 267"/>
+            <p:cNvCxnSpPr/>
+            <p:nvPr/>
+          </p:nvCxnSpPr>
+          <p:spPr>
+            <a:xfrm>
+              <a:off x="899592" y="800708"/>
+              <a:ext cx="0" cy="180020"/>
+            </a:xfrm>
+            <a:prstGeom prst="straightConnector1">
+              <a:avLst/>
+            </a:prstGeom>
+            <a:ln w="25400">
+              <a:solidFill>
+                <a:schemeClr val="accent6">
+                  <a:lumMod val="75000"/>
+                </a:schemeClr>
+              </a:solidFill>
+              <a:tailEnd type="arrow"/>
+            </a:ln>
+          </p:spPr>
+          <p:style>
+            <a:lnRef idx="1">
+              <a:schemeClr val="accent1"/>
+            </a:lnRef>
+            <a:fillRef idx="0">
+              <a:schemeClr val="accent1"/>
+            </a:fillRef>
+            <a:effectRef idx="0">
+              <a:schemeClr val="accent1"/>
+            </a:effectRef>
+            <a:fontRef idx="minor">
+              <a:schemeClr val="tx1"/>
+            </a:fontRef>
+          </p:style>
+        </p:cxnSp>
+        <p:sp>
+          <p:nvSpPr>
+            <p:cNvPr id="269" name="TextBox 268"/>
+            <p:cNvSpPr txBox="1"/>
+            <p:nvPr/>
+          </p:nvSpPr>
+          <p:spPr>
+            <a:xfrm>
+              <a:off x="755576" y="548680"/>
+              <a:ext cx="258404" cy="276999"/>
+            </a:xfrm>
+            <a:prstGeom prst="rect">
+              <a:avLst/>
+            </a:prstGeom>
+            <a:noFill/>
+          </p:spPr>
+          <p:txBody>
+            <a:bodyPr wrap="none" rtlCol="0">
+              <a:spAutoFit/>
+            </a:bodyPr>
+            <a:lstStyle/>
+            <a:p>
+              <a:r>
+                <a:rPr lang="en-US" altLang="ko-KR" sz="1200" dirty="0" smtClean="0">
+                  <a:solidFill>
+                    <a:srgbClr val="FF0000"/>
+                  </a:solidFill>
+                </a:rPr>
+                <a:t>L</a:t>
+              </a:r>
+              <a:endParaRPr lang="ko-KR" altLang="en-US" sz="1200" dirty="0">
+                <a:solidFill>
+                  <a:srgbClr val="FF0000"/>
+                </a:solidFill>
+              </a:endParaRPr>
+            </a:p>
+          </p:txBody>
+        </p:sp>
+      </p:grpSp>
+      <p:grpSp>
+        <p:nvGrpSpPr>
+          <p:cNvPr id="270" name="그룹 269"/>
+          <p:cNvGrpSpPr/>
+          <p:nvPr/>
+        </p:nvGrpSpPr>
+        <p:grpSpPr>
+          <a:xfrm>
+            <a:off x="1634486" y="5877272"/>
+            <a:ext cx="279244" cy="432048"/>
+            <a:chOff x="1274446" y="548680"/>
+            <a:chExt cx="279244" cy="432048"/>
+          </a:xfrm>
+        </p:grpSpPr>
+        <p:cxnSp>
+          <p:nvCxnSpPr>
+            <p:cNvPr id="271" name="직선 화살표 연결선 270"/>
+            <p:cNvCxnSpPr/>
+            <p:nvPr/>
+          </p:nvCxnSpPr>
+          <p:spPr>
+            <a:xfrm>
+              <a:off x="1403648" y="800708"/>
+              <a:ext cx="0" cy="180020"/>
+            </a:xfrm>
+            <a:prstGeom prst="straightConnector1">
+              <a:avLst/>
+            </a:prstGeom>
+            <a:ln w="25400">
+              <a:solidFill>
+                <a:schemeClr val="accent5">
+                  <a:lumMod val="60000"/>
+                  <a:lumOff val="40000"/>
+                </a:schemeClr>
+              </a:solidFill>
+              <a:tailEnd type="arrow"/>
+            </a:ln>
+          </p:spPr>
+          <p:style>
+            <a:lnRef idx="1">
+              <a:schemeClr val="accent1"/>
+            </a:lnRef>
+            <a:fillRef idx="0">
+              <a:schemeClr val="accent1"/>
+            </a:fillRef>
+            <a:effectRef idx="0">
+              <a:schemeClr val="accent1"/>
+            </a:effectRef>
+            <a:fontRef idx="minor">
+              <a:schemeClr val="tx1"/>
+            </a:fontRef>
+          </p:style>
+        </p:cxnSp>
+        <p:sp>
+          <p:nvSpPr>
+            <p:cNvPr id="272" name="TextBox 271"/>
+            <p:cNvSpPr txBox="1"/>
+            <p:nvPr/>
+          </p:nvSpPr>
+          <p:spPr>
+            <a:xfrm>
+              <a:off x="1274446" y="548680"/>
+              <a:ext cx="279244" cy="276999"/>
+            </a:xfrm>
+            <a:prstGeom prst="rect">
+              <a:avLst/>
+            </a:prstGeom>
+            <a:noFill/>
+          </p:spPr>
+          <p:txBody>
+            <a:bodyPr wrap="none" rtlCol="0">
+              <a:spAutoFit/>
+            </a:bodyPr>
+            <a:lstStyle/>
+            <a:p>
+              <a:r>
+                <a:rPr lang="en-US" altLang="ko-KR" sz="1200" dirty="0" smtClean="0">
+                  <a:solidFill>
+                    <a:schemeClr val="accent5">
+                      <a:lumMod val="60000"/>
+                      <a:lumOff val="40000"/>
+                    </a:schemeClr>
+                  </a:solidFill>
+                </a:rPr>
+                <a:t>R</a:t>
+              </a:r>
+              <a:endParaRPr lang="ko-KR" altLang="en-US" sz="1200" dirty="0">
+                <a:solidFill>
+                  <a:schemeClr val="accent5">
+                    <a:lumMod val="60000"/>
+                    <a:lumOff val="40000"/>
+                  </a:schemeClr>
+                </a:solidFill>
+              </a:endParaRPr>
+            </a:p>
+          </p:txBody>
+        </p:sp>
+      </p:grpSp>
+      <p:grpSp>
+        <p:nvGrpSpPr>
+          <p:cNvPr id="273" name="그룹 272"/>
+          <p:cNvGrpSpPr/>
+          <p:nvPr/>
+        </p:nvGrpSpPr>
+        <p:grpSpPr>
+          <a:xfrm>
+            <a:off x="3125814" y="5877272"/>
+            <a:ext cx="258404" cy="432048"/>
+            <a:chOff x="755576" y="548680"/>
+            <a:chExt cx="258404" cy="432048"/>
+          </a:xfrm>
+        </p:grpSpPr>
+        <p:cxnSp>
+          <p:nvCxnSpPr>
+            <p:cNvPr id="274" name="직선 화살표 연결선 273"/>
+            <p:cNvCxnSpPr/>
+            <p:nvPr/>
+          </p:nvCxnSpPr>
+          <p:spPr>
+            <a:xfrm>
+              <a:off x="899592" y="800708"/>
+              <a:ext cx="0" cy="180020"/>
+            </a:xfrm>
+            <a:prstGeom prst="straightConnector1">
+              <a:avLst/>
+            </a:prstGeom>
+            <a:ln w="25400">
+              <a:solidFill>
+                <a:schemeClr val="accent6">
+                  <a:lumMod val="75000"/>
+                </a:schemeClr>
+              </a:solidFill>
+              <a:tailEnd type="arrow"/>
+            </a:ln>
+          </p:spPr>
+          <p:style>
+            <a:lnRef idx="1">
+              <a:schemeClr val="accent1"/>
+            </a:lnRef>
+            <a:fillRef idx="0">
+              <a:schemeClr val="accent1"/>
+            </a:fillRef>
+            <a:effectRef idx="0">
+              <a:schemeClr val="accent1"/>
+            </a:effectRef>
+            <a:fontRef idx="minor">
+              <a:schemeClr val="tx1"/>
+            </a:fontRef>
+          </p:style>
+        </p:cxnSp>
+        <p:sp>
+          <p:nvSpPr>
+            <p:cNvPr id="275" name="TextBox 274"/>
+            <p:cNvSpPr txBox="1"/>
+            <p:nvPr/>
+          </p:nvSpPr>
+          <p:spPr>
+            <a:xfrm>
+              <a:off x="755576" y="548680"/>
+              <a:ext cx="258404" cy="276999"/>
+            </a:xfrm>
+            <a:prstGeom prst="rect">
+              <a:avLst/>
+            </a:prstGeom>
+            <a:noFill/>
+          </p:spPr>
+          <p:txBody>
+            <a:bodyPr wrap="none" rtlCol="0">
+              <a:spAutoFit/>
+            </a:bodyPr>
+            <a:lstStyle/>
+            <a:p>
+              <a:r>
+                <a:rPr lang="en-US" altLang="ko-KR" sz="1200" dirty="0" smtClean="0">
+                  <a:solidFill>
+                    <a:srgbClr val="FF0000"/>
+                  </a:solidFill>
+                </a:rPr>
+                <a:t>L</a:t>
+              </a:r>
+              <a:endParaRPr lang="ko-KR" altLang="en-US" sz="1200" dirty="0">
+                <a:solidFill>
+                  <a:srgbClr val="FF0000"/>
+                </a:solidFill>
+              </a:endParaRPr>
+            </a:p>
+          </p:txBody>
+        </p:sp>
+      </p:grpSp>
+      <p:grpSp>
+        <p:nvGrpSpPr>
+          <p:cNvPr id="276" name="그룹 275"/>
+          <p:cNvGrpSpPr/>
+          <p:nvPr/>
+        </p:nvGrpSpPr>
+        <p:grpSpPr>
+          <a:xfrm>
+            <a:off x="3644684" y="5877272"/>
+            <a:ext cx="279244" cy="432048"/>
+            <a:chOff x="1274446" y="548680"/>
+            <a:chExt cx="279244" cy="432048"/>
+          </a:xfrm>
+        </p:grpSpPr>
+        <p:cxnSp>
+          <p:nvCxnSpPr>
+            <p:cNvPr id="277" name="직선 화살표 연결선 276"/>
+            <p:cNvCxnSpPr/>
+            <p:nvPr/>
+          </p:nvCxnSpPr>
+          <p:spPr>
+            <a:xfrm>
+              <a:off x="1403648" y="800708"/>
+              <a:ext cx="0" cy="180020"/>
+            </a:xfrm>
+            <a:prstGeom prst="straightConnector1">
+              <a:avLst/>
+            </a:prstGeom>
+            <a:ln w="25400">
+              <a:solidFill>
+                <a:schemeClr val="accent5">
+                  <a:lumMod val="60000"/>
+                  <a:lumOff val="40000"/>
+                </a:schemeClr>
+              </a:solidFill>
+              <a:tailEnd type="arrow"/>
+            </a:ln>
+          </p:spPr>
+          <p:style>
+            <a:lnRef idx="1">
+              <a:schemeClr val="accent1"/>
+            </a:lnRef>
+            <a:fillRef idx="0">
+              <a:schemeClr val="accent1"/>
+            </a:fillRef>
+            <a:effectRef idx="0">
+              <a:schemeClr val="accent1"/>
+            </a:effectRef>
+            <a:fontRef idx="minor">
+              <a:schemeClr val="tx1"/>
+            </a:fontRef>
+          </p:style>
+        </p:cxnSp>
+        <p:sp>
+          <p:nvSpPr>
+            <p:cNvPr id="278" name="TextBox 277"/>
+            <p:cNvSpPr txBox="1"/>
+            <p:nvPr/>
+          </p:nvSpPr>
+          <p:spPr>
+            <a:xfrm>
+              <a:off x="1274446" y="548680"/>
+              <a:ext cx="279244" cy="276999"/>
+            </a:xfrm>
+            <a:prstGeom prst="rect">
+              <a:avLst/>
+            </a:prstGeom>
+            <a:noFill/>
+          </p:spPr>
+          <p:txBody>
+            <a:bodyPr wrap="none" rtlCol="0">
+              <a:spAutoFit/>
+            </a:bodyPr>
+            <a:lstStyle/>
+            <a:p>
+              <a:r>
+                <a:rPr lang="en-US" altLang="ko-KR" sz="1200" dirty="0" smtClean="0">
+                  <a:solidFill>
+                    <a:schemeClr val="accent5">
+                      <a:lumMod val="60000"/>
+                      <a:lumOff val="40000"/>
+                    </a:schemeClr>
+                  </a:solidFill>
+                </a:rPr>
+                <a:t>R</a:t>
+              </a:r>
+              <a:endParaRPr lang="ko-KR" altLang="en-US" sz="1200" dirty="0">
+                <a:solidFill>
+                  <a:schemeClr val="accent5">
+                    <a:lumMod val="60000"/>
+                    <a:lumOff val="40000"/>
+                  </a:schemeClr>
+                </a:solidFill>
+              </a:endParaRPr>
+            </a:p>
+          </p:txBody>
+        </p:sp>
+      </p:grpSp>
+      <p:grpSp>
+        <p:nvGrpSpPr>
+          <p:cNvPr id="279" name="그룹 278"/>
+          <p:cNvGrpSpPr/>
+          <p:nvPr/>
+        </p:nvGrpSpPr>
+        <p:grpSpPr>
+          <a:xfrm>
+            <a:off x="5214046" y="5877272"/>
+            <a:ext cx="258404" cy="432048"/>
+            <a:chOff x="755576" y="548680"/>
+            <a:chExt cx="258404" cy="432048"/>
+          </a:xfrm>
+        </p:grpSpPr>
+        <p:cxnSp>
+          <p:nvCxnSpPr>
+            <p:cNvPr id="280" name="직선 화살표 연결선 279"/>
+            <p:cNvCxnSpPr/>
+            <p:nvPr/>
+          </p:nvCxnSpPr>
+          <p:spPr>
+            <a:xfrm>
+              <a:off x="899592" y="800708"/>
+              <a:ext cx="0" cy="180020"/>
+            </a:xfrm>
+            <a:prstGeom prst="straightConnector1">
+              <a:avLst/>
+            </a:prstGeom>
+            <a:ln w="25400">
+              <a:solidFill>
+                <a:schemeClr val="accent6">
+                  <a:lumMod val="75000"/>
+                </a:schemeClr>
+              </a:solidFill>
+              <a:tailEnd type="arrow"/>
+            </a:ln>
+          </p:spPr>
+          <p:style>
+            <a:lnRef idx="1">
+              <a:schemeClr val="accent1"/>
+            </a:lnRef>
+            <a:fillRef idx="0">
+              <a:schemeClr val="accent1"/>
+            </a:fillRef>
+            <a:effectRef idx="0">
+              <a:schemeClr val="accent1"/>
+            </a:effectRef>
+            <a:fontRef idx="minor">
+              <a:schemeClr val="tx1"/>
+            </a:fontRef>
+          </p:style>
+        </p:cxnSp>
+        <p:sp>
+          <p:nvSpPr>
+            <p:cNvPr id="281" name="TextBox 280"/>
+            <p:cNvSpPr txBox="1"/>
+            <p:nvPr/>
+          </p:nvSpPr>
+          <p:spPr>
+            <a:xfrm>
+              <a:off x="755576" y="548680"/>
+              <a:ext cx="258404" cy="276999"/>
+            </a:xfrm>
+            <a:prstGeom prst="rect">
+              <a:avLst/>
+            </a:prstGeom>
+            <a:noFill/>
+          </p:spPr>
+          <p:txBody>
+            <a:bodyPr wrap="none" rtlCol="0">
+              <a:spAutoFit/>
+            </a:bodyPr>
+            <a:lstStyle/>
+            <a:p>
+              <a:r>
+                <a:rPr lang="en-US" altLang="ko-KR" sz="1200" dirty="0" smtClean="0">
+                  <a:solidFill>
+                    <a:srgbClr val="FF0000"/>
+                  </a:solidFill>
+                </a:rPr>
+                <a:t>L</a:t>
+              </a:r>
+              <a:endParaRPr lang="ko-KR" altLang="en-US" sz="1200" dirty="0">
+                <a:solidFill>
+                  <a:srgbClr val="FF0000"/>
+                </a:solidFill>
+              </a:endParaRPr>
+            </a:p>
+          </p:txBody>
+        </p:sp>
+      </p:grpSp>
+      <p:grpSp>
+        <p:nvGrpSpPr>
+          <p:cNvPr id="282" name="그룹 281"/>
+          <p:cNvGrpSpPr/>
+          <p:nvPr/>
+        </p:nvGrpSpPr>
+        <p:grpSpPr>
+          <a:xfrm>
+            <a:off x="5732916" y="5877272"/>
+            <a:ext cx="279244" cy="432048"/>
+            <a:chOff x="1274446" y="548680"/>
+            <a:chExt cx="279244" cy="432048"/>
+          </a:xfrm>
+        </p:grpSpPr>
+        <p:cxnSp>
+          <p:nvCxnSpPr>
+            <p:cNvPr id="283" name="직선 화살표 연결선 282"/>
+            <p:cNvCxnSpPr/>
+            <p:nvPr/>
+          </p:nvCxnSpPr>
+          <p:spPr>
+            <a:xfrm>
+              <a:off x="1403648" y="800708"/>
+              <a:ext cx="0" cy="180020"/>
+            </a:xfrm>
+            <a:prstGeom prst="straightConnector1">
+              <a:avLst/>
+            </a:prstGeom>
+            <a:ln w="25400">
+              <a:solidFill>
+                <a:schemeClr val="accent5">
+                  <a:lumMod val="60000"/>
+                  <a:lumOff val="40000"/>
+                </a:schemeClr>
+              </a:solidFill>
+              <a:tailEnd type="arrow"/>
+            </a:ln>
+          </p:spPr>
+          <p:style>
+            <a:lnRef idx="1">
+              <a:schemeClr val="accent1"/>
+            </a:lnRef>
+            <a:fillRef idx="0">
+              <a:schemeClr val="accent1"/>
+            </a:fillRef>
+            <a:effectRef idx="0">
+              <a:schemeClr val="accent1"/>
+            </a:effectRef>
+            <a:fontRef idx="minor">
+              <a:schemeClr val="tx1"/>
+            </a:fontRef>
+          </p:style>
+        </p:cxnSp>
+        <p:sp>
+          <p:nvSpPr>
+            <p:cNvPr id="284" name="TextBox 283"/>
+            <p:cNvSpPr txBox="1"/>
+            <p:nvPr/>
+          </p:nvSpPr>
+          <p:spPr>
+            <a:xfrm>
+              <a:off x="1274446" y="548680"/>
+              <a:ext cx="279244" cy="276999"/>
+            </a:xfrm>
+            <a:prstGeom prst="rect">
+              <a:avLst/>
+            </a:prstGeom>
+            <a:noFill/>
+          </p:spPr>
+          <p:txBody>
+            <a:bodyPr wrap="none" rtlCol="0">
+              <a:spAutoFit/>
+            </a:bodyPr>
+            <a:lstStyle/>
+            <a:p>
+              <a:r>
+                <a:rPr lang="en-US" altLang="ko-KR" sz="1200" dirty="0" smtClean="0">
+                  <a:solidFill>
+                    <a:schemeClr val="accent5">
+                      <a:lumMod val="60000"/>
+                      <a:lumOff val="40000"/>
+                    </a:schemeClr>
+                  </a:solidFill>
+                </a:rPr>
+                <a:t>R</a:t>
+              </a:r>
+              <a:endParaRPr lang="ko-KR" altLang="en-US" sz="1200" dirty="0">
+                <a:solidFill>
+                  <a:schemeClr val="accent5">
+                    <a:lumMod val="60000"/>
+                    <a:lumOff val="40000"/>
+                  </a:schemeClr>
+                </a:solidFill>
+              </a:endParaRPr>
+            </a:p>
+          </p:txBody>
+        </p:sp>
+      </p:grpSp>
+      <p:grpSp>
+        <p:nvGrpSpPr>
+          <p:cNvPr id="285" name="그룹 284"/>
+          <p:cNvGrpSpPr/>
+          <p:nvPr/>
+        </p:nvGrpSpPr>
+        <p:grpSpPr>
+          <a:xfrm>
+            <a:off x="7446294" y="5877272"/>
+            <a:ext cx="258404" cy="432048"/>
+            <a:chOff x="755576" y="548680"/>
+            <a:chExt cx="258404" cy="432048"/>
+          </a:xfrm>
+        </p:grpSpPr>
+        <p:cxnSp>
+          <p:nvCxnSpPr>
+            <p:cNvPr id="286" name="직선 화살표 연결선 285"/>
+            <p:cNvCxnSpPr/>
+            <p:nvPr/>
+          </p:nvCxnSpPr>
+          <p:spPr>
+            <a:xfrm>
+              <a:off x="899592" y="800708"/>
+              <a:ext cx="0" cy="180020"/>
+            </a:xfrm>
+            <a:prstGeom prst="straightConnector1">
+              <a:avLst/>
+            </a:prstGeom>
+            <a:ln w="25400">
+              <a:solidFill>
+                <a:schemeClr val="accent6">
+                  <a:lumMod val="75000"/>
+                </a:schemeClr>
+              </a:solidFill>
+              <a:tailEnd type="arrow"/>
+            </a:ln>
+          </p:spPr>
+          <p:style>
+            <a:lnRef idx="1">
+              <a:schemeClr val="accent1"/>
+            </a:lnRef>
+            <a:fillRef idx="0">
+              <a:schemeClr val="accent1"/>
+            </a:fillRef>
+            <a:effectRef idx="0">
+              <a:schemeClr val="accent1"/>
+            </a:effectRef>
+            <a:fontRef idx="minor">
+              <a:schemeClr val="tx1"/>
+            </a:fontRef>
+          </p:style>
+        </p:cxnSp>
+        <p:sp>
+          <p:nvSpPr>
+            <p:cNvPr id="287" name="TextBox 286"/>
+            <p:cNvSpPr txBox="1"/>
+            <p:nvPr/>
+          </p:nvSpPr>
+          <p:spPr>
+            <a:xfrm>
+              <a:off x="755576" y="548680"/>
+              <a:ext cx="258404" cy="276999"/>
+            </a:xfrm>
+            <a:prstGeom prst="rect">
+              <a:avLst/>
+            </a:prstGeom>
+            <a:noFill/>
+          </p:spPr>
+          <p:txBody>
+            <a:bodyPr wrap="none" rtlCol="0">
+              <a:spAutoFit/>
+            </a:bodyPr>
+            <a:lstStyle/>
+            <a:p>
+              <a:r>
+                <a:rPr lang="en-US" altLang="ko-KR" sz="1200" dirty="0" smtClean="0">
+                  <a:solidFill>
+                    <a:srgbClr val="FF0000"/>
+                  </a:solidFill>
+                </a:rPr>
+                <a:t>L</a:t>
+              </a:r>
+              <a:endParaRPr lang="ko-KR" altLang="en-US" sz="1200" dirty="0">
+                <a:solidFill>
+                  <a:srgbClr val="FF0000"/>
+                </a:solidFill>
+              </a:endParaRPr>
+            </a:p>
+          </p:txBody>
+        </p:sp>
+      </p:grpSp>
+      <p:grpSp>
+        <p:nvGrpSpPr>
+          <p:cNvPr id="288" name="그룹 287"/>
+          <p:cNvGrpSpPr/>
+          <p:nvPr/>
+        </p:nvGrpSpPr>
+        <p:grpSpPr>
+          <a:xfrm>
+            <a:off x="7965164" y="5877272"/>
+            <a:ext cx="279244" cy="432048"/>
+            <a:chOff x="1274446" y="548680"/>
+            <a:chExt cx="279244" cy="432048"/>
+          </a:xfrm>
+        </p:grpSpPr>
+        <p:cxnSp>
+          <p:nvCxnSpPr>
+            <p:cNvPr id="289" name="직선 화살표 연결선 288"/>
+            <p:cNvCxnSpPr/>
+            <p:nvPr/>
+          </p:nvCxnSpPr>
+          <p:spPr>
+            <a:xfrm>
+              <a:off x="1403648" y="800708"/>
+              <a:ext cx="0" cy="180020"/>
+            </a:xfrm>
+            <a:prstGeom prst="straightConnector1">
+              <a:avLst/>
+            </a:prstGeom>
+            <a:ln w="25400">
+              <a:solidFill>
+                <a:schemeClr val="accent5">
+                  <a:lumMod val="60000"/>
+                  <a:lumOff val="40000"/>
+                </a:schemeClr>
+              </a:solidFill>
+              <a:tailEnd type="arrow"/>
+            </a:ln>
+          </p:spPr>
+          <p:style>
+            <a:lnRef idx="1">
+              <a:schemeClr val="accent1"/>
+            </a:lnRef>
+            <a:fillRef idx="0">
+              <a:schemeClr val="accent1"/>
+            </a:fillRef>
+            <a:effectRef idx="0">
+              <a:schemeClr val="accent1"/>
+            </a:effectRef>
+            <a:fontRef idx="minor">
+              <a:schemeClr val="tx1"/>
+            </a:fontRef>
+          </p:style>
+        </p:cxnSp>
+        <p:sp>
+          <p:nvSpPr>
+            <p:cNvPr id="290" name="TextBox 289"/>
+            <p:cNvSpPr txBox="1"/>
+            <p:nvPr/>
+          </p:nvSpPr>
+          <p:spPr>
+            <a:xfrm>
+              <a:off x="1274446" y="548680"/>
+              <a:ext cx="279244" cy="276999"/>
+            </a:xfrm>
+            <a:prstGeom prst="rect">
+              <a:avLst/>
+            </a:prstGeom>
+            <a:noFill/>
+          </p:spPr>
+          <p:txBody>
+            <a:bodyPr wrap="none" rtlCol="0">
+              <a:spAutoFit/>
+            </a:bodyPr>
+            <a:lstStyle/>
+            <a:p>
+              <a:r>
+                <a:rPr lang="en-US" altLang="ko-KR" sz="1200" dirty="0" smtClean="0">
+                  <a:solidFill>
+                    <a:schemeClr val="accent5">
+                      <a:lumMod val="60000"/>
+                      <a:lumOff val="40000"/>
+                    </a:schemeClr>
+                  </a:solidFill>
+                </a:rPr>
+                <a:t>R</a:t>
+              </a:r>
+              <a:endParaRPr lang="ko-KR" altLang="en-US" sz="1200" dirty="0">
+                <a:solidFill>
+                  <a:schemeClr val="accent5">
+                    <a:lumMod val="60000"/>
+                    <a:lumOff val="40000"/>
+                  </a:schemeClr>
+                </a:solidFill>
+              </a:endParaRPr>
+            </a:p>
+          </p:txBody>
+        </p:sp>
+      </p:grpSp>
+      <p:cxnSp>
+        <p:nvCxnSpPr>
+          <p:cNvPr id="291" name="직선 화살표 연결선 290"/>
+          <p:cNvCxnSpPr/>
+          <p:nvPr/>
+        </p:nvCxnSpPr>
+        <p:spPr>
+          <a:xfrm>
+            <a:off x="1187624" y="5079668"/>
+            <a:ext cx="0" cy="144016"/>
+          </a:xfrm>
+          <a:prstGeom prst="straightConnector1">
+            <a:avLst/>
+          </a:prstGeom>
+          <a:ln>
+            <a:headEnd w="sm" len="sm"/>
+            <a:tailEnd type="arrow" w="sm" len="sm"/>
+          </a:ln>
+        </p:spPr>
+        <p:style>
+          <a:lnRef idx="1">
+            <a:schemeClr val="accent1"/>
+          </a:lnRef>
+          <a:fillRef idx="0">
+            <a:schemeClr val="accent1"/>
+          </a:fillRef>
+          <a:effectRef idx="0">
+            <a:schemeClr val="accent1"/>
+          </a:effectRef>
+          <a:fontRef idx="minor">
+            <a:schemeClr val="tx1"/>
+          </a:fontRef>
+        </p:style>
+      </p:cxnSp>
+      <p:sp>
+        <p:nvSpPr>
+          <p:cNvPr id="372" name="TextBox 371"/>
+          <p:cNvSpPr txBox="1"/>
+          <p:nvPr/>
+        </p:nvSpPr>
+        <p:spPr>
+          <a:xfrm>
+            <a:off x="179512" y="5013176"/>
+            <a:ext cx="994183" cy="646331"/>
+          </a:xfrm>
+          <a:prstGeom prst="rect">
+            <a:avLst/>
+          </a:prstGeom>
+          <a:noFill/>
+        </p:spPr>
+        <p:txBody>
+          <a:bodyPr wrap="none" rtlCol="0">
+            <a:spAutoFit/>
+          </a:bodyPr>
+          <a:lstStyle/>
+          <a:p>
+            <a:r>
+              <a:rPr lang="ko-KR" altLang="en-US" sz="1200" dirty="0" smtClean="0"/>
+              <a:t>인터럽트 </a:t>
+            </a:r>
+            <a:r>
+              <a:rPr lang="en-US" altLang="ko-KR" sz="1200" dirty="0" smtClean="0"/>
+              <a:t>1</a:t>
+            </a:r>
+          </a:p>
+          <a:p>
+            <a:endParaRPr lang="en-US" altLang="ko-KR" sz="1200" dirty="0" smtClean="0"/>
+          </a:p>
+          <a:p>
+            <a:r>
+              <a:rPr lang="ko-KR" altLang="en-US" sz="1200" dirty="0" smtClean="0"/>
+              <a:t>인터럽트 </a:t>
+            </a:r>
+            <a:r>
+              <a:rPr lang="en-US" altLang="ko-KR" sz="1200" dirty="0" smtClean="0"/>
+              <a:t>2 </a:t>
+            </a:r>
+          </a:p>
+        </p:txBody>
+      </p:sp>
+      <p:cxnSp>
+        <p:nvCxnSpPr>
+          <p:cNvPr id="454" name="직선 화살표 연결선 453"/>
+          <p:cNvCxnSpPr/>
+          <p:nvPr/>
+        </p:nvCxnSpPr>
+        <p:spPr>
+          <a:xfrm>
+            <a:off x="3275856" y="5085184"/>
+            <a:ext cx="0" cy="144016"/>
+          </a:xfrm>
+          <a:prstGeom prst="straightConnector1">
+            <a:avLst/>
+          </a:prstGeom>
+          <a:ln>
+            <a:headEnd w="sm" len="sm"/>
+            <a:tailEnd type="arrow" w="sm" len="sm"/>
+          </a:ln>
+        </p:spPr>
+        <p:style>
+          <a:lnRef idx="1">
+            <a:schemeClr val="accent1"/>
+          </a:lnRef>
+          <a:fillRef idx="0">
+            <a:schemeClr val="accent1"/>
+          </a:fillRef>
+          <a:effectRef idx="0">
+            <a:schemeClr val="accent1"/>
+          </a:effectRef>
+          <a:fontRef idx="minor">
+            <a:schemeClr val="tx1"/>
+          </a:fontRef>
+        </p:style>
+      </p:cxnSp>
+      <p:cxnSp>
+        <p:nvCxnSpPr>
+          <p:cNvPr id="455" name="직선 화살표 연결선 454"/>
+          <p:cNvCxnSpPr/>
+          <p:nvPr/>
+        </p:nvCxnSpPr>
+        <p:spPr>
+          <a:xfrm>
+            <a:off x="5364088" y="5085184"/>
+            <a:ext cx="0" cy="144016"/>
+          </a:xfrm>
+          <a:prstGeom prst="straightConnector1">
+            <a:avLst/>
+          </a:prstGeom>
+          <a:ln>
+            <a:headEnd w="sm" len="sm"/>
+            <a:tailEnd type="arrow" w="sm" len="sm"/>
+          </a:ln>
+        </p:spPr>
+        <p:style>
+          <a:lnRef idx="1">
+            <a:schemeClr val="accent1"/>
+          </a:lnRef>
+          <a:fillRef idx="0">
+            <a:schemeClr val="accent1"/>
+          </a:fillRef>
+          <a:effectRef idx="0">
+            <a:schemeClr val="accent1"/>
+          </a:effectRef>
+          <a:fontRef idx="minor">
+            <a:schemeClr val="tx1"/>
+          </a:fontRef>
+        </p:style>
+      </p:cxnSp>
+      <p:cxnSp>
+        <p:nvCxnSpPr>
+          <p:cNvPr id="456" name="직선 화살표 연결선 455"/>
+          <p:cNvCxnSpPr/>
+          <p:nvPr/>
+        </p:nvCxnSpPr>
+        <p:spPr>
+          <a:xfrm>
+            <a:off x="7596336" y="5085184"/>
+            <a:ext cx="0" cy="144016"/>
+          </a:xfrm>
+          <a:prstGeom prst="straightConnector1">
+            <a:avLst/>
+          </a:prstGeom>
+          <a:ln>
+            <a:headEnd w="sm" len="sm"/>
+            <a:tailEnd type="arrow" w="sm" len="sm"/>
+          </a:ln>
+        </p:spPr>
+        <p:style>
+          <a:lnRef idx="1">
+            <a:schemeClr val="accent1"/>
+          </a:lnRef>
+          <a:fillRef idx="0">
+            <a:schemeClr val="accent1"/>
+          </a:fillRef>
+          <a:effectRef idx="0">
+            <a:schemeClr val="accent1"/>
+          </a:effectRef>
+          <a:fontRef idx="minor">
+            <a:schemeClr val="tx1"/>
+          </a:fontRef>
+        </p:style>
+      </p:cxnSp>
+      <p:cxnSp>
+        <p:nvCxnSpPr>
+          <p:cNvPr id="457" name="직선 화살표 연결선 456"/>
+          <p:cNvCxnSpPr/>
+          <p:nvPr/>
+        </p:nvCxnSpPr>
+        <p:spPr>
+          <a:xfrm>
+            <a:off x="1763688" y="5445224"/>
+            <a:ext cx="0" cy="144016"/>
+          </a:xfrm>
+          <a:prstGeom prst="straightConnector1">
+            <a:avLst/>
+          </a:prstGeom>
+          <a:ln>
+            <a:headEnd w="sm" len="sm"/>
+            <a:tailEnd type="arrow" w="sm" len="sm"/>
+          </a:ln>
+        </p:spPr>
+        <p:style>
+          <a:lnRef idx="1">
+            <a:schemeClr val="accent1"/>
+          </a:lnRef>
+          <a:fillRef idx="0">
+            <a:schemeClr val="accent1"/>
+          </a:fillRef>
+          <a:effectRef idx="0">
+            <a:schemeClr val="accent1"/>
+          </a:effectRef>
+          <a:fontRef idx="minor">
+            <a:schemeClr val="tx1"/>
+          </a:fontRef>
+        </p:style>
+      </p:cxnSp>
+      <p:cxnSp>
+        <p:nvCxnSpPr>
+          <p:cNvPr id="458" name="직선 화살표 연결선 457"/>
+          <p:cNvCxnSpPr/>
+          <p:nvPr/>
+        </p:nvCxnSpPr>
+        <p:spPr>
+          <a:xfrm>
+            <a:off x="3779912" y="5445224"/>
+            <a:ext cx="0" cy="144016"/>
+          </a:xfrm>
+          <a:prstGeom prst="straightConnector1">
+            <a:avLst/>
+          </a:prstGeom>
+          <a:ln>
+            <a:headEnd w="sm" len="sm"/>
+            <a:tailEnd type="arrow" w="sm" len="sm"/>
+          </a:ln>
+        </p:spPr>
+        <p:style>
+          <a:lnRef idx="1">
+            <a:schemeClr val="accent1"/>
+          </a:lnRef>
+          <a:fillRef idx="0">
+            <a:schemeClr val="accent1"/>
+          </a:fillRef>
+          <a:effectRef idx="0">
+            <a:schemeClr val="accent1"/>
+          </a:effectRef>
+          <a:fontRef idx="minor">
+            <a:schemeClr val="tx1"/>
+          </a:fontRef>
+        </p:style>
+      </p:cxnSp>
+      <p:cxnSp>
+        <p:nvCxnSpPr>
+          <p:cNvPr id="459" name="직선 화살표 연결선 458"/>
+          <p:cNvCxnSpPr/>
+          <p:nvPr/>
+        </p:nvCxnSpPr>
+        <p:spPr>
+          <a:xfrm>
+            <a:off x="5868144" y="5445224"/>
+            <a:ext cx="0" cy="144016"/>
+          </a:xfrm>
+          <a:prstGeom prst="straightConnector1">
+            <a:avLst/>
+          </a:prstGeom>
+          <a:ln>
+            <a:headEnd w="sm" len="sm"/>
+            <a:tailEnd type="arrow" w="sm" len="sm"/>
+          </a:ln>
+        </p:spPr>
+        <p:style>
+          <a:lnRef idx="1">
+            <a:schemeClr val="accent1"/>
+          </a:lnRef>
+          <a:fillRef idx="0">
+            <a:schemeClr val="accent1"/>
+          </a:fillRef>
+          <a:effectRef idx="0">
+            <a:schemeClr val="accent1"/>
+          </a:effectRef>
+          <a:fontRef idx="minor">
+            <a:schemeClr val="tx1"/>
+          </a:fontRef>
+        </p:style>
+      </p:cxnSp>
+      <p:cxnSp>
+        <p:nvCxnSpPr>
+          <p:cNvPr id="460" name="직선 화살표 연결선 459"/>
+          <p:cNvCxnSpPr/>
+          <p:nvPr/>
+        </p:nvCxnSpPr>
+        <p:spPr>
+          <a:xfrm>
+            <a:off x="8100392" y="5445224"/>
+            <a:ext cx="0" cy="144016"/>
+          </a:xfrm>
+          <a:prstGeom prst="straightConnector1">
+            <a:avLst/>
+          </a:prstGeom>
+          <a:ln>
+            <a:headEnd w="sm" len="sm"/>
+            <a:tailEnd type="arrow" w="sm" len="sm"/>
+          </a:ln>
+        </p:spPr>
+        <p:style>
+          <a:lnRef idx="1">
+            <a:schemeClr val="accent1"/>
+          </a:lnRef>
+          <a:fillRef idx="0">
+            <a:schemeClr val="accent1"/>
+          </a:fillRef>
+          <a:effectRef idx="0">
+            <a:schemeClr val="accent1"/>
+          </a:effectRef>
+          <a:fontRef idx="minor">
+            <a:schemeClr val="tx1"/>
+          </a:fontRef>
+        </p:style>
+      </p:cxnSp>
     </p:spTree>
   </p:cSld>
   <p:clrMapOvr>

--- a/08_2_마이크로마우스 프로그래밍 개요.pptx
+++ b/08_2_마이크로마우스 프로그래밍 개요.pptx
@@ -294,7 +294,7 @@
             <a:fld id="{E37AA025-A252-4C8F-A795-9A8E714CAB6A}" type="datetimeFigureOut">
               <a:rPr lang="ko-KR" altLang="en-US" smtClean="0"/>
               <a:pPr/>
-              <a:t>2018-05-23</a:t>
+              <a:t>2018-07-23</a:t>
             </a:fld>
             <a:endParaRPr lang="ko-KR" altLang="en-US"/>
           </a:p>
@@ -461,7 +461,7 @@
             <a:fld id="{E37AA025-A252-4C8F-A795-9A8E714CAB6A}" type="datetimeFigureOut">
               <a:rPr lang="ko-KR" altLang="en-US" smtClean="0"/>
               <a:pPr/>
-              <a:t>2018-05-23</a:t>
+              <a:t>2018-07-23</a:t>
             </a:fld>
             <a:endParaRPr lang="ko-KR" altLang="en-US"/>
           </a:p>
@@ -638,7 +638,7 @@
             <a:fld id="{E37AA025-A252-4C8F-A795-9A8E714CAB6A}" type="datetimeFigureOut">
               <a:rPr lang="ko-KR" altLang="en-US" smtClean="0"/>
               <a:pPr/>
-              <a:t>2018-05-23</a:t>
+              <a:t>2018-07-23</a:t>
             </a:fld>
             <a:endParaRPr lang="ko-KR" altLang="en-US"/>
           </a:p>
@@ -805,7 +805,7 @@
             <a:fld id="{E37AA025-A252-4C8F-A795-9A8E714CAB6A}" type="datetimeFigureOut">
               <a:rPr lang="ko-KR" altLang="en-US" smtClean="0"/>
               <a:pPr/>
-              <a:t>2018-05-23</a:t>
+              <a:t>2018-07-23</a:t>
             </a:fld>
             <a:endParaRPr lang="ko-KR" altLang="en-US"/>
           </a:p>
@@ -1048,7 +1048,7 @@
             <a:fld id="{E37AA025-A252-4C8F-A795-9A8E714CAB6A}" type="datetimeFigureOut">
               <a:rPr lang="ko-KR" altLang="en-US" smtClean="0"/>
               <a:pPr/>
-              <a:t>2018-05-23</a:t>
+              <a:t>2018-07-23</a:t>
             </a:fld>
             <a:endParaRPr lang="ko-KR" altLang="en-US"/>
           </a:p>
@@ -1333,7 +1333,7 @@
             <a:fld id="{E37AA025-A252-4C8F-A795-9A8E714CAB6A}" type="datetimeFigureOut">
               <a:rPr lang="ko-KR" altLang="en-US" smtClean="0"/>
               <a:pPr/>
-              <a:t>2018-05-23</a:t>
+              <a:t>2018-07-23</a:t>
             </a:fld>
             <a:endParaRPr lang="ko-KR" altLang="en-US"/>
           </a:p>
@@ -1752,7 +1752,7 @@
             <a:fld id="{E37AA025-A252-4C8F-A795-9A8E714CAB6A}" type="datetimeFigureOut">
               <a:rPr lang="ko-KR" altLang="en-US" smtClean="0"/>
               <a:pPr/>
-              <a:t>2018-05-23</a:t>
+              <a:t>2018-07-23</a:t>
             </a:fld>
             <a:endParaRPr lang="ko-KR" altLang="en-US"/>
           </a:p>
@@ -1867,7 +1867,7 @@
             <a:fld id="{E37AA025-A252-4C8F-A795-9A8E714CAB6A}" type="datetimeFigureOut">
               <a:rPr lang="ko-KR" altLang="en-US" smtClean="0"/>
               <a:pPr/>
-              <a:t>2018-05-23</a:t>
+              <a:t>2018-07-23</a:t>
             </a:fld>
             <a:endParaRPr lang="ko-KR" altLang="en-US"/>
           </a:p>
@@ -1959,7 +1959,7 @@
             <a:fld id="{E37AA025-A252-4C8F-A795-9A8E714CAB6A}" type="datetimeFigureOut">
               <a:rPr lang="ko-KR" altLang="en-US" smtClean="0"/>
               <a:pPr/>
-              <a:t>2018-05-23</a:t>
+              <a:t>2018-07-23</a:t>
             </a:fld>
             <a:endParaRPr lang="ko-KR" altLang="en-US"/>
           </a:p>
@@ -2233,7 +2233,7 @@
             <a:fld id="{E37AA025-A252-4C8F-A795-9A8E714CAB6A}" type="datetimeFigureOut">
               <a:rPr lang="ko-KR" altLang="en-US" smtClean="0"/>
               <a:pPr/>
-              <a:t>2018-05-23</a:t>
+              <a:t>2018-07-23</a:t>
             </a:fld>
             <a:endParaRPr lang="ko-KR" altLang="en-US"/>
           </a:p>
@@ -2483,7 +2483,7 @@
             <a:fld id="{E37AA025-A252-4C8F-A795-9A8E714CAB6A}" type="datetimeFigureOut">
               <a:rPr lang="ko-KR" altLang="en-US" smtClean="0"/>
               <a:pPr/>
-              <a:t>2018-05-23</a:t>
+              <a:t>2018-07-23</a:t>
             </a:fld>
             <a:endParaRPr lang="ko-KR" altLang="en-US"/>
           </a:p>
@@ -2693,7 +2693,7 @@
             <a:fld id="{E37AA025-A252-4C8F-A795-9A8E714CAB6A}" type="datetimeFigureOut">
               <a:rPr lang="ko-KR" altLang="en-US" smtClean="0"/>
               <a:pPr/>
-              <a:t>2018-05-23</a:t>
+              <a:t>2018-07-23</a:t>
             </a:fld>
             <a:endParaRPr lang="ko-KR" altLang="en-US"/>
           </a:p>
